--- a/tests/testthat/multi_slide_fullslide_43.pptx
+++ b/tests/testthat/multi_slide_fullslide_43.pptx
@@ -496,7 +496,7 @@
             <a:r>
               <a:rPr/>
               <a:t>
-Powerpoint file location: /Users/mbbowes/Documents/GitHub/grattantheme/tests/testthat/multi_slide_fullslide_43.pptx</a:t>
+Powerpoint file location: C:\Users\parkinsonn\Documents\grattantheme\tests\testthat\multi_slide_fullslide_43.pptx</a:t>
             </a:r>
           </a:p>
         </p:txBody>
@@ -544,7 +544,7 @@
             <a:r>
               <a:rPr/>
               <a:t>
-Powerpoint file location: /Users/mbbowes/Documents/GitHub/grattantheme/tests/testthat/multi_slide_fullslide_43.pptx</a:t>
+Powerpoint file location: C:\Users\parkinsonn\Documents\grattantheme\tests\testthat\multi_slide_fullslide_43.pptx</a:t>
             </a:r>
           </a:p>
         </p:txBody>
@@ -2659,8 +2659,8 @@
           </p:nvSpPr>
           <p:spPr>
             <a:xfrm>
-              <a:off x="1061020" y="1441338"/>
-              <a:ext cx="7499980" cy="4536581"/>
+              <a:off x="1059314" y="1441338"/>
+              <a:ext cx="7501686" cy="4539651"/>
             </a:xfrm>
             <a:prstGeom prst="rect">
               <a:avLst/>
@@ -2685,21 +2685,21 @@
           </p:nvSpPr>
           <p:spPr>
             <a:xfrm>
-              <a:off x="1061020" y="5403169"/>
-              <a:ext cx="7499980" cy="0"/>
+              <a:off x="1059314" y="5405849"/>
+              <a:ext cx="7501686" cy="0"/>
             </a:xfrm>
             <a:custGeom>
               <a:avLst/>
               <a:pathLst>
-                <a:path w="7499980" h="0">
+                <a:path w="7501686" h="0">
                   <a:moveTo>
                     <a:pt x="0" y="0"/>
                   </a:moveTo>
                   <a:lnTo>
-                    <a:pt x="7499980" y="0"/>
+                    <a:pt x="7501686" y="0"/>
                   </a:lnTo>
                   <a:lnTo>
-                    <a:pt x="7499980" y="0"/>
+                    <a:pt x="7501686" y="0"/>
                   </a:lnTo>
                 </a:path>
               </a:pathLst>
@@ -2728,21 +2728,21 @@
           </p:nvSpPr>
           <p:spPr>
             <a:xfrm>
-              <a:off x="1061020" y="4525687"/>
-              <a:ext cx="7499980" cy="0"/>
+              <a:off x="1059314" y="4527774"/>
+              <a:ext cx="7501686" cy="0"/>
             </a:xfrm>
             <a:custGeom>
               <a:avLst/>
               <a:pathLst>
-                <a:path w="7499980" h="0">
+                <a:path w="7501686" h="0">
                   <a:moveTo>
                     <a:pt x="0" y="0"/>
                   </a:moveTo>
                   <a:lnTo>
-                    <a:pt x="7499980" y="0"/>
+                    <a:pt x="7501686" y="0"/>
                   </a:lnTo>
                   <a:lnTo>
-                    <a:pt x="7499980" y="0"/>
+                    <a:pt x="7501686" y="0"/>
                   </a:lnTo>
                 </a:path>
               </a:pathLst>
@@ -2771,21 +2771,21 @@
           </p:nvSpPr>
           <p:spPr>
             <a:xfrm>
-              <a:off x="1061020" y="3648205"/>
-              <a:ext cx="7499980" cy="0"/>
+              <a:off x="1059314" y="3649698"/>
+              <a:ext cx="7501686" cy="0"/>
             </a:xfrm>
             <a:custGeom>
               <a:avLst/>
               <a:pathLst>
-                <a:path w="7499980" h="0">
+                <a:path w="7501686" h="0">
                   <a:moveTo>
                     <a:pt x="0" y="0"/>
                   </a:moveTo>
                   <a:lnTo>
-                    <a:pt x="7499980" y="0"/>
+                    <a:pt x="7501686" y="0"/>
                   </a:lnTo>
                   <a:lnTo>
-                    <a:pt x="7499980" y="0"/>
+                    <a:pt x="7501686" y="0"/>
                   </a:lnTo>
                 </a:path>
               </a:pathLst>
@@ -2814,21 +2814,21 @@
           </p:nvSpPr>
           <p:spPr>
             <a:xfrm>
-              <a:off x="1061020" y="2770723"/>
-              <a:ext cx="7499980" cy="0"/>
+              <a:off x="1059314" y="2771622"/>
+              <a:ext cx="7501686" cy="0"/>
             </a:xfrm>
             <a:custGeom>
               <a:avLst/>
               <a:pathLst>
-                <a:path w="7499980" h="0">
+                <a:path w="7501686" h="0">
                   <a:moveTo>
                     <a:pt x="0" y="0"/>
                   </a:moveTo>
                   <a:lnTo>
-                    <a:pt x="7499980" y="0"/>
+                    <a:pt x="7501686" y="0"/>
                   </a:lnTo>
                   <a:lnTo>
-                    <a:pt x="7499980" y="0"/>
+                    <a:pt x="7501686" y="0"/>
                   </a:lnTo>
                 </a:path>
               </a:pathLst>
@@ -2857,21 +2857,21 @@
           </p:nvSpPr>
           <p:spPr>
             <a:xfrm>
-              <a:off x="1061020" y="1893241"/>
-              <a:ext cx="7499980" cy="0"/>
+              <a:off x="1059314" y="1893547"/>
+              <a:ext cx="7501686" cy="0"/>
             </a:xfrm>
             <a:custGeom>
               <a:avLst/>
               <a:pathLst>
-                <a:path w="7499980" h="0">
+                <a:path w="7501686" h="0">
                   <a:moveTo>
                     <a:pt x="0" y="0"/>
                   </a:moveTo>
                   <a:lnTo>
-                    <a:pt x="7499980" y="0"/>
+                    <a:pt x="7501686" y="0"/>
                   </a:lnTo>
                   <a:lnTo>
-                    <a:pt x="7499980" y="0"/>
+                    <a:pt x="7501686" y="0"/>
                   </a:lnTo>
                 </a:path>
               </a:pathLst>
@@ -2900,15 +2900,15 @@
           </p:nvSpPr>
           <p:spPr>
             <a:xfrm>
-              <a:off x="1379264" y="1441338"/>
-              <a:ext cx="0" cy="4536581"/>
+              <a:off x="1377632" y="1441338"/>
+              <a:ext cx="0" cy="4539651"/>
             </a:xfrm>
             <a:custGeom>
               <a:avLst/>
               <a:pathLst>
-                <a:path w="0" h="4536581">
+                <a:path w="0" h="4539651">
                   <a:moveTo>
-                    <a:pt x="0" y="4536581"/>
+                    <a:pt x="0" y="4539651"/>
                   </a:moveTo>
                   <a:lnTo>
                     <a:pt x="0" y="0"/>
@@ -2943,15 +2943,15 @@
           </p:nvSpPr>
           <p:spPr>
             <a:xfrm>
-              <a:off x="3122595" y="1441338"/>
-              <a:ext cx="0" cy="4536581"/>
+              <a:off x="3121358" y="1441338"/>
+              <a:ext cx="0" cy="4539651"/>
             </a:xfrm>
             <a:custGeom>
               <a:avLst/>
               <a:pathLst>
-                <a:path w="0" h="4536581">
+                <a:path w="0" h="4539651">
                   <a:moveTo>
-                    <a:pt x="0" y="4536581"/>
+                    <a:pt x="0" y="4539651"/>
                   </a:moveTo>
                   <a:lnTo>
                     <a:pt x="0" y="0"/>
@@ -2986,15 +2986,15 @@
           </p:nvSpPr>
           <p:spPr>
             <a:xfrm>
-              <a:off x="4865925" y="1441338"/>
-              <a:ext cx="0" cy="4536581"/>
+              <a:off x="4865085" y="1441338"/>
+              <a:ext cx="0" cy="4539651"/>
             </a:xfrm>
             <a:custGeom>
               <a:avLst/>
               <a:pathLst>
-                <a:path w="0" h="4536581">
+                <a:path w="0" h="4539651">
                   <a:moveTo>
-                    <a:pt x="0" y="4536581"/>
+                    <a:pt x="0" y="4539651"/>
                   </a:moveTo>
                   <a:lnTo>
                     <a:pt x="0" y="0"/>
@@ -3029,15 +3029,15 @@
           </p:nvSpPr>
           <p:spPr>
             <a:xfrm>
-              <a:off x="6609255" y="1441338"/>
-              <a:ext cx="0" cy="4536581"/>
+              <a:off x="6608811" y="1441338"/>
+              <a:ext cx="0" cy="4539651"/>
             </a:xfrm>
             <a:custGeom>
               <a:avLst/>
               <a:pathLst>
-                <a:path w="0" h="4536581">
+                <a:path w="0" h="4539651">
                   <a:moveTo>
-                    <a:pt x="0" y="4536581"/>
+                    <a:pt x="0" y="4539651"/>
                   </a:moveTo>
                   <a:lnTo>
                     <a:pt x="0" y="0"/>
@@ -3072,15 +3072,15 @@
           </p:nvSpPr>
           <p:spPr>
             <a:xfrm>
-              <a:off x="8352585" y="1441338"/>
-              <a:ext cx="0" cy="4536581"/>
+              <a:off x="8352538" y="1441338"/>
+              <a:ext cx="0" cy="4539651"/>
             </a:xfrm>
             <a:custGeom>
               <a:avLst/>
               <a:pathLst>
-                <a:path w="0" h="4536581">
+                <a:path w="0" h="4539651">
                   <a:moveTo>
-                    <a:pt x="0" y="4536581"/>
+                    <a:pt x="0" y="4539651"/>
                   </a:moveTo>
                   <a:lnTo>
                     <a:pt x="0" y="0"/>
@@ -3115,21 +3115,21 @@
           </p:nvSpPr>
           <p:spPr>
             <a:xfrm>
-              <a:off x="1061020" y="5841910"/>
-              <a:ext cx="7499980" cy="0"/>
+              <a:off x="1059314" y="5844887"/>
+              <a:ext cx="7501686" cy="0"/>
             </a:xfrm>
             <a:custGeom>
               <a:avLst/>
               <a:pathLst>
-                <a:path w="7499980" h="0">
+                <a:path w="7501686" h="0">
                   <a:moveTo>
                     <a:pt x="0" y="0"/>
                   </a:moveTo>
                   <a:lnTo>
-                    <a:pt x="7499980" y="0"/>
+                    <a:pt x="7501686" y="0"/>
                   </a:lnTo>
                   <a:lnTo>
-                    <a:pt x="7499980" y="0"/>
+                    <a:pt x="7501686" y="0"/>
                   </a:lnTo>
                 </a:path>
               </a:pathLst>
@@ -3158,21 +3158,21 @@
           </p:nvSpPr>
           <p:spPr>
             <a:xfrm>
-              <a:off x="1061020" y="4964428"/>
-              <a:ext cx="7499980" cy="0"/>
+              <a:off x="1059314" y="4966812"/>
+              <a:ext cx="7501686" cy="0"/>
             </a:xfrm>
             <a:custGeom>
               <a:avLst/>
               <a:pathLst>
-                <a:path w="7499980" h="0">
+                <a:path w="7501686" h="0">
                   <a:moveTo>
                     <a:pt x="0" y="0"/>
                   </a:moveTo>
                   <a:lnTo>
-                    <a:pt x="7499980" y="0"/>
+                    <a:pt x="7501686" y="0"/>
                   </a:lnTo>
                   <a:lnTo>
-                    <a:pt x="7499980" y="0"/>
+                    <a:pt x="7501686" y="0"/>
                   </a:lnTo>
                 </a:path>
               </a:pathLst>
@@ -3201,21 +3201,21 @@
           </p:nvSpPr>
           <p:spPr>
             <a:xfrm>
-              <a:off x="1061020" y="4086946"/>
-              <a:ext cx="7499980" cy="0"/>
+              <a:off x="1059314" y="4088736"/>
+              <a:ext cx="7501686" cy="0"/>
             </a:xfrm>
             <a:custGeom>
               <a:avLst/>
               <a:pathLst>
-                <a:path w="7499980" h="0">
+                <a:path w="7501686" h="0">
                   <a:moveTo>
                     <a:pt x="0" y="0"/>
                   </a:moveTo>
                   <a:lnTo>
-                    <a:pt x="7499980" y="0"/>
+                    <a:pt x="7501686" y="0"/>
                   </a:lnTo>
                   <a:lnTo>
-                    <a:pt x="7499980" y="0"/>
+                    <a:pt x="7501686" y="0"/>
                   </a:lnTo>
                 </a:path>
               </a:pathLst>
@@ -3244,21 +3244,21 @@
           </p:nvSpPr>
           <p:spPr>
             <a:xfrm>
-              <a:off x="1061020" y="3209464"/>
-              <a:ext cx="7499980" cy="0"/>
+              <a:off x="1059314" y="3210660"/>
+              <a:ext cx="7501686" cy="0"/>
             </a:xfrm>
             <a:custGeom>
               <a:avLst/>
               <a:pathLst>
-                <a:path w="7499980" h="0">
+                <a:path w="7501686" h="0">
                   <a:moveTo>
                     <a:pt x="0" y="0"/>
                   </a:moveTo>
                   <a:lnTo>
-                    <a:pt x="7499980" y="0"/>
+                    <a:pt x="7501686" y="0"/>
                   </a:lnTo>
                   <a:lnTo>
-                    <a:pt x="7499980" y="0"/>
+                    <a:pt x="7501686" y="0"/>
                   </a:lnTo>
                 </a:path>
               </a:pathLst>
@@ -3287,21 +3287,21 @@
           </p:nvSpPr>
           <p:spPr>
             <a:xfrm>
-              <a:off x="1061020" y="2331982"/>
-              <a:ext cx="7499980" cy="0"/>
+              <a:off x="1059314" y="2332584"/>
+              <a:ext cx="7501686" cy="0"/>
             </a:xfrm>
             <a:custGeom>
               <a:avLst/>
               <a:pathLst>
-                <a:path w="7499980" h="0">
+                <a:path w="7501686" h="0">
                   <a:moveTo>
                     <a:pt x="0" y="0"/>
                   </a:moveTo>
                   <a:lnTo>
-                    <a:pt x="7499980" y="0"/>
+                    <a:pt x="7501686" y="0"/>
                   </a:lnTo>
                   <a:lnTo>
-                    <a:pt x="7499980" y="0"/>
+                    <a:pt x="7501686" y="0"/>
                   </a:lnTo>
                 </a:path>
               </a:pathLst>
@@ -3330,21 +3330,21 @@
           </p:nvSpPr>
           <p:spPr>
             <a:xfrm>
-              <a:off x="1061020" y="1454500"/>
-              <a:ext cx="7499980" cy="0"/>
+              <a:off x="1059314" y="1454509"/>
+              <a:ext cx="7501686" cy="0"/>
             </a:xfrm>
             <a:custGeom>
               <a:avLst/>
               <a:pathLst>
-                <a:path w="7499980" h="0">
+                <a:path w="7501686" h="0">
                   <a:moveTo>
                     <a:pt x="0" y="0"/>
                   </a:moveTo>
                   <a:lnTo>
-                    <a:pt x="7499980" y="0"/>
+                    <a:pt x="7501686" y="0"/>
                   </a:lnTo>
                   <a:lnTo>
-                    <a:pt x="7499980" y="0"/>
+                    <a:pt x="7501686" y="0"/>
                   </a:lnTo>
                 </a:path>
               </a:pathLst>
@@ -3373,15 +3373,15 @@
           </p:nvSpPr>
           <p:spPr>
             <a:xfrm>
-              <a:off x="2250930" y="1441338"/>
-              <a:ext cx="0" cy="4536581"/>
+              <a:off x="2249495" y="1441338"/>
+              <a:ext cx="0" cy="4539651"/>
             </a:xfrm>
             <a:custGeom>
               <a:avLst/>
               <a:pathLst>
-                <a:path w="0" h="4536581">
+                <a:path w="0" h="4539651">
                   <a:moveTo>
-                    <a:pt x="0" y="4536581"/>
+                    <a:pt x="0" y="4539651"/>
                   </a:moveTo>
                   <a:lnTo>
                     <a:pt x="0" y="0"/>
@@ -3416,15 +3416,15 @@
           </p:nvSpPr>
           <p:spPr>
             <a:xfrm>
-              <a:off x="3994260" y="1441338"/>
-              <a:ext cx="0" cy="4536581"/>
+              <a:off x="3993221" y="1441338"/>
+              <a:ext cx="0" cy="4539651"/>
             </a:xfrm>
             <a:custGeom>
               <a:avLst/>
               <a:pathLst>
-                <a:path w="0" h="4536581">
+                <a:path w="0" h="4539651">
                   <a:moveTo>
-                    <a:pt x="0" y="4536581"/>
+                    <a:pt x="0" y="4539651"/>
                   </a:moveTo>
                   <a:lnTo>
                     <a:pt x="0" y="0"/>
@@ -3459,15 +3459,15 @@
           </p:nvSpPr>
           <p:spPr>
             <a:xfrm>
-              <a:off x="5737590" y="1441338"/>
-              <a:ext cx="0" cy="4536581"/>
+              <a:off x="5736948" y="1441338"/>
+              <a:ext cx="0" cy="4539651"/>
             </a:xfrm>
             <a:custGeom>
               <a:avLst/>
               <a:pathLst>
-                <a:path w="0" h="4536581">
+                <a:path w="0" h="4539651">
                   <a:moveTo>
-                    <a:pt x="0" y="4536581"/>
+                    <a:pt x="0" y="4539651"/>
                   </a:moveTo>
                   <a:lnTo>
                     <a:pt x="0" y="0"/>
@@ -3502,15 +3502,15 @@
           </p:nvSpPr>
           <p:spPr>
             <a:xfrm>
-              <a:off x="7480920" y="1441338"/>
-              <a:ext cx="0" cy="4536581"/>
+              <a:off x="7480675" y="1441338"/>
+              <a:ext cx="0" cy="4539651"/>
             </a:xfrm>
             <a:custGeom>
               <a:avLst/>
               <a:pathLst>
-                <a:path w="0" h="4536581">
+                <a:path w="0" h="4539651">
                   <a:moveTo>
-                    <a:pt x="0" y="4536581"/>
+                    <a:pt x="0" y="4539651"/>
                   </a:moveTo>
                   <a:lnTo>
                     <a:pt x="0" y="0"/>
@@ -3545,7 +3545,7 @@
           </p:nvSpPr>
           <p:spPr>
             <a:xfrm>
-              <a:off x="3298719" y="3878374"/>
+              <a:off x="3297530" y="3880046"/>
               <a:ext cx="66150" cy="66150"/>
             </a:xfrm>
             <a:prstGeom prst="ellipse">
@@ -3580,7 +3580,7 @@
           </p:nvSpPr>
           <p:spPr>
             <a:xfrm>
-              <a:off x="3743269" y="3878374"/>
+              <a:off x="3742181" y="3880046"/>
               <a:ext cx="66150" cy="66150"/>
             </a:xfrm>
             <a:prstGeom prst="ellipse">
@@ -3615,7 +3615,7 @@
           </p:nvSpPr>
           <p:spPr>
             <a:xfrm>
-              <a:off x="2775720" y="3562481"/>
+              <a:off x="2774412" y="3563938"/>
               <a:ext cx="66150" cy="66150"/>
             </a:xfrm>
             <a:prstGeom prst="ellipse">
@@ -3650,7 +3650,7 @@
           </p:nvSpPr>
           <p:spPr>
             <a:xfrm>
-              <a:off x="4336001" y="3808176"/>
+              <a:off x="4335048" y="3809800"/>
               <a:ext cx="66150" cy="66150"/>
             </a:xfrm>
             <a:prstGeom prst="ellipse">
@@ -3685,7 +3685,7 @@
           </p:nvSpPr>
           <p:spPr>
             <a:xfrm>
-              <a:off x="4728250" y="4282016"/>
+              <a:off x="4727386" y="4283961"/>
               <a:ext cx="66150" cy="66150"/>
             </a:xfrm>
             <a:prstGeom prst="ellipse">
@@ -3720,7 +3720,7 @@
           </p:nvSpPr>
           <p:spPr>
             <a:xfrm>
-              <a:off x="4763117" y="4387314"/>
+              <a:off x="4762261" y="4389330"/>
               <a:ext cx="66150" cy="66150"/>
             </a:xfrm>
             <a:prstGeom prst="ellipse">
@@ -3755,7 +3755,7 @@
           </p:nvSpPr>
           <p:spPr>
             <a:xfrm>
-              <a:off x="4954883" y="5054200"/>
+              <a:off x="4954071" y="5056667"/>
               <a:ext cx="66150" cy="66150"/>
             </a:xfrm>
             <a:prstGeom prst="ellipse">
@@ -3790,7 +3790,7 @@
           </p:nvSpPr>
           <p:spPr>
             <a:xfrm>
-              <a:off x="4292418" y="3281687"/>
+              <a:off x="4291454" y="3282954"/>
               <a:ext cx="66150" cy="66150"/>
             </a:xfrm>
             <a:prstGeom prst="ellipse">
@@ -3825,7 +3825,7 @@
           </p:nvSpPr>
           <p:spPr>
             <a:xfrm>
-              <a:off x="4222684" y="3562481"/>
+              <a:off x="4221705" y="3563938"/>
               <a:ext cx="66150" cy="66150"/>
             </a:xfrm>
             <a:prstGeom prst="ellipse">
@@ -3860,7 +3860,7 @@
           </p:nvSpPr>
           <p:spPr>
             <a:xfrm>
-              <a:off x="4728250" y="4194268"/>
+              <a:off x="4727386" y="4196153"/>
               <a:ext cx="66150" cy="66150"/>
             </a:xfrm>
             <a:prstGeom prst="ellipse">
@@ -3895,7 +3895,7 @@
           </p:nvSpPr>
           <p:spPr>
             <a:xfrm>
-              <a:off x="4728250" y="4439963"/>
+              <a:off x="4727386" y="4442014"/>
               <a:ext cx="66150" cy="66150"/>
             </a:xfrm>
             <a:prstGeom prst="ellipse">
@@ -3930,7 +3930,7 @@
           </p:nvSpPr>
           <p:spPr>
             <a:xfrm>
-              <a:off x="5826548" y="4685658"/>
+              <a:off x="5825934" y="4687875"/>
               <a:ext cx="66150" cy="66150"/>
             </a:xfrm>
             <a:prstGeom prst="ellipse">
@@ -3965,7 +3965,7 @@
           </p:nvSpPr>
           <p:spPr>
             <a:xfrm>
-              <a:off x="5233816" y="4527711"/>
+              <a:off x="5233067" y="4529822"/>
               <a:ext cx="66150" cy="66150"/>
             </a:xfrm>
             <a:prstGeom prst="ellipse">
@@ -4000,7 +4000,7 @@
           </p:nvSpPr>
           <p:spPr>
             <a:xfrm>
-              <a:off x="5320982" y="4896253"/>
+              <a:off x="5320253" y="4898614"/>
               <a:ext cx="66150" cy="66150"/>
             </a:xfrm>
             <a:prstGeom prst="ellipse">
@@ -4035,7 +4035,7 @@
           </p:nvSpPr>
           <p:spPr>
             <a:xfrm>
-              <a:off x="7883678" y="5738636"/>
+              <a:off x="7883531" y="5741566"/>
               <a:ext cx="66150" cy="66150"/>
             </a:xfrm>
             <a:prstGeom prst="ellipse">
@@ -4070,7 +4070,7 @@
           </p:nvSpPr>
           <p:spPr>
             <a:xfrm>
-              <a:off x="8187017" y="5738636"/>
+              <a:off x="8186940" y="5741566"/>
               <a:ext cx="66150" cy="66150"/>
             </a:xfrm>
             <a:prstGeom prst="ellipse">
@@ -4105,7 +4105,7 @@
           </p:nvSpPr>
           <p:spPr>
             <a:xfrm>
-              <a:off x="8049294" y="4984002"/>
+              <a:off x="8049185" y="4986421"/>
               <a:ext cx="66150" cy="66150"/>
             </a:xfrm>
             <a:prstGeom prst="ellipse">
@@ -4140,7 +4140,7 @@
           </p:nvSpPr>
           <p:spPr>
             <a:xfrm>
-              <a:off x="2566521" y="1877715"/>
+              <a:off x="2565165" y="1878033"/>
               <a:ext cx="66150" cy="66150"/>
             </a:xfrm>
             <a:prstGeom prst="ellipse">
@@ -4175,7 +4175,7 @@
           </p:nvSpPr>
           <p:spPr>
             <a:xfrm>
-              <a:off x="1546672" y="2228708"/>
+              <a:off x="1545085" y="2229263"/>
               <a:ext cx="66150" cy="66150"/>
             </a:xfrm>
             <a:prstGeom prst="ellipse">
@@ -4210,7 +4210,7 @@
           </p:nvSpPr>
           <p:spPr>
             <a:xfrm>
-              <a:off x="1930205" y="1614471"/>
+              <a:off x="1928705" y="1614610"/>
               <a:ext cx="66150" cy="66150"/>
             </a:xfrm>
             <a:prstGeom prst="ellipse">
@@ -4245,7 +4245,7 @@
           </p:nvSpPr>
           <p:spPr>
             <a:xfrm>
-              <a:off x="3028503" y="3790626"/>
+              <a:off x="3027253" y="3792238"/>
               <a:ext cx="66150" cy="66150"/>
             </a:xfrm>
             <a:prstGeom prst="ellipse">
@@ -4280,7 +4280,7 @@
           </p:nvSpPr>
           <p:spPr>
             <a:xfrm>
-              <a:off x="4867717" y="4843605"/>
+              <a:off x="4866884" y="4845929"/>
               <a:ext cx="66150" cy="66150"/>
             </a:xfrm>
             <a:prstGeom prst="ellipse">
@@ -4315,7 +4315,7 @@
           </p:nvSpPr>
           <p:spPr>
             <a:xfrm>
-              <a:off x="4719533" y="4896253"/>
+              <a:off x="4718668" y="4898614"/>
               <a:ext cx="66150" cy="66150"/>
             </a:xfrm>
             <a:prstGeom prst="ellipse">
@@ -4350,7 +4350,7 @@
           </p:nvSpPr>
           <p:spPr>
             <a:xfrm>
-              <a:off x="5425582" y="5229697"/>
+              <a:off x="5424877" y="5232282"/>
               <a:ext cx="66150" cy="66150"/>
             </a:xfrm>
             <a:prstGeom prst="ellipse">
@@ -4385,7 +4385,7 @@
           </p:nvSpPr>
           <p:spPr>
             <a:xfrm>
-              <a:off x="5434299" y="4194268"/>
+              <a:off x="5433595" y="4196153"/>
               <a:ext cx="66150" cy="66150"/>
             </a:xfrm>
             <a:prstGeom prst="ellipse">
@@ -4420,7 +4420,7 @@
           </p:nvSpPr>
           <p:spPr>
             <a:xfrm>
-              <a:off x="2104538" y="2772747"/>
+              <a:off x="2103078" y="2773670"/>
               <a:ext cx="66150" cy="66150"/>
             </a:xfrm>
             <a:prstGeom prst="ellipse">
@@ -4455,7 +4455,7 @@
           </p:nvSpPr>
           <p:spPr>
             <a:xfrm>
-              <a:off x="2461921" y="3000892"/>
+              <a:off x="2460542" y="3001970"/>
               <a:ext cx="66150" cy="66150"/>
             </a:xfrm>
             <a:prstGeom prst="ellipse">
@@ -4490,7 +4490,7 @@
           </p:nvSpPr>
           <p:spPr>
             <a:xfrm>
-              <a:off x="1368853" y="2228708"/>
+              <a:off x="1367225" y="2229263"/>
               <a:ext cx="66150" cy="66150"/>
             </a:xfrm>
             <a:prstGeom prst="ellipse">
@@ -4525,7 +4525,7 @@
           </p:nvSpPr>
           <p:spPr>
             <a:xfrm>
-              <a:off x="4257551" y="4790956"/>
+              <a:off x="4256580" y="4793244"/>
               <a:ext cx="66150" cy="66150"/>
             </a:xfrm>
             <a:prstGeom prst="ellipse">
@@ -4560,7 +4560,7 @@
           </p:nvSpPr>
           <p:spPr>
             <a:xfrm>
-              <a:off x="3560219" y="4106520"/>
+              <a:off x="3559089" y="4108345"/>
               <a:ext cx="66150" cy="66150"/>
             </a:xfrm>
             <a:prstGeom prst="ellipse">
@@ -4595,7 +4595,7 @@
           </p:nvSpPr>
           <p:spPr>
             <a:xfrm>
-              <a:off x="4954883" y="4931353"/>
+              <a:off x="4954071" y="4933737"/>
               <a:ext cx="66150" cy="66150"/>
             </a:xfrm>
             <a:prstGeom prst="ellipse">
@@ -4630,7 +4630,7 @@
           </p:nvSpPr>
           <p:spPr>
             <a:xfrm>
-              <a:off x="3577652" y="3808176"/>
+              <a:off x="3576527" y="3809800"/>
               <a:ext cx="66150" cy="66150"/>
             </a:xfrm>
             <a:prstGeom prst="ellipse">
@@ -4665,8 +4665,8 @@
           </p:nvSpPr>
           <p:spPr>
             <a:xfrm>
-              <a:off x="874078" y="5801719"/>
-              <a:ext cx="124311" cy="80272"/>
+              <a:off x="872373" y="5803196"/>
+              <a:ext cx="124311" cy="81691"/>
             </a:xfrm>
             <a:prstGeom prst="rect">
               <a:avLst/>
@@ -4695,8 +4695,8 @@
                       <a:alpha val="100000"/>
                     </a:srgbClr>
                   </a:solidFill>
-                  <a:latin typeface="Helvetica"/>
-                  <a:cs typeface="Helvetica"/>
+                  <a:latin typeface="Arial"/>
+                  <a:cs typeface="Arial"/>
                 </a:rPr>
                 <a:t>10</a:t>
               </a:r>
@@ -4711,8 +4711,8 @@
           </p:nvSpPr>
           <p:spPr>
             <a:xfrm>
-              <a:off x="874078" y="4924728"/>
-              <a:ext cx="124311" cy="79781"/>
+              <a:off x="872373" y="4925120"/>
+              <a:ext cx="124311" cy="81691"/>
             </a:xfrm>
             <a:prstGeom prst="rect">
               <a:avLst/>
@@ -4741,8 +4741,8 @@
                       <a:alpha val="100000"/>
                     </a:srgbClr>
                   </a:solidFill>
-                  <a:latin typeface="Helvetica"/>
-                  <a:cs typeface="Helvetica"/>
+                  <a:latin typeface="Arial"/>
+                  <a:cs typeface="Arial"/>
                 </a:rPr>
                 <a:t>15</a:t>
               </a:r>
@@ -4757,8 +4757,8 @@
           </p:nvSpPr>
           <p:spPr>
             <a:xfrm>
-              <a:off x="874078" y="4046482"/>
-              <a:ext cx="124311" cy="80545"/>
+              <a:off x="872373" y="4047044"/>
+              <a:ext cx="124311" cy="81691"/>
             </a:xfrm>
             <a:prstGeom prst="rect">
               <a:avLst/>
@@ -4787,8 +4787,8 @@
                       <a:alpha val="100000"/>
                     </a:srgbClr>
                   </a:solidFill>
-                  <a:latin typeface="Helvetica"/>
-                  <a:cs typeface="Helvetica"/>
+                  <a:latin typeface="Arial"/>
+                  <a:cs typeface="Arial"/>
                 </a:rPr>
                 <a:t>20</a:t>
               </a:r>
@@ -4803,8 +4803,8 @@
           </p:nvSpPr>
           <p:spPr>
             <a:xfrm>
-              <a:off x="874078" y="3169164"/>
-              <a:ext cx="124311" cy="80382"/>
+              <a:off x="872373" y="3168968"/>
+              <a:ext cx="124311" cy="81691"/>
             </a:xfrm>
             <a:prstGeom prst="rect">
               <a:avLst/>
@@ -4833,8 +4833,8 @@
                       <a:alpha val="100000"/>
                     </a:srgbClr>
                   </a:solidFill>
-                  <a:latin typeface="Helvetica"/>
-                  <a:cs typeface="Helvetica"/>
+                  <a:latin typeface="Arial"/>
+                  <a:cs typeface="Arial"/>
                 </a:rPr>
                 <a:t>25</a:t>
               </a:r>
@@ -4849,8 +4849,8 @@
           </p:nvSpPr>
           <p:spPr>
             <a:xfrm>
-              <a:off x="874078" y="2291682"/>
-              <a:ext cx="124311" cy="80382"/>
+              <a:off x="872373" y="2290838"/>
+              <a:ext cx="124311" cy="81746"/>
             </a:xfrm>
             <a:prstGeom prst="rect">
               <a:avLst/>
@@ -4879,8 +4879,8 @@
                       <a:alpha val="100000"/>
                     </a:srgbClr>
                   </a:solidFill>
-                  <a:latin typeface="Helvetica"/>
-                  <a:cs typeface="Helvetica"/>
+                  <a:latin typeface="Arial"/>
+                  <a:cs typeface="Arial"/>
                 </a:rPr>
                 <a:t>30</a:t>
               </a:r>
@@ -4895,8 +4895,8 @@
           </p:nvSpPr>
           <p:spPr>
             <a:xfrm>
-              <a:off x="874078" y="1414200"/>
-              <a:ext cx="124311" cy="80382"/>
+              <a:off x="872373" y="1412762"/>
+              <a:ext cx="124311" cy="81746"/>
             </a:xfrm>
             <a:prstGeom prst="rect">
               <a:avLst/>
@@ -4925,8 +4925,8 @@
                       <a:alpha val="100000"/>
                     </a:srgbClr>
                   </a:solidFill>
-                  <a:latin typeface="Helvetica"/>
-                  <a:cs typeface="Helvetica"/>
+                  <a:latin typeface="Arial"/>
+                  <a:cs typeface="Arial"/>
                 </a:rPr>
                 <a:t>35</a:t>
               </a:r>
@@ -4941,7 +4941,7 @@
           </p:nvSpPr>
           <p:spPr>
             <a:xfrm>
-              <a:off x="1026225" y="5841910"/>
+              <a:off x="1024520" y="5844887"/>
               <a:ext cx="34794" cy="0"/>
             </a:xfrm>
             <a:custGeom>
@@ -4981,7 +4981,7 @@
           </p:nvSpPr>
           <p:spPr>
             <a:xfrm>
-              <a:off x="1026225" y="4964428"/>
+              <a:off x="1024520" y="4966812"/>
               <a:ext cx="34794" cy="0"/>
             </a:xfrm>
             <a:custGeom>
@@ -5021,7 +5021,7 @@
           </p:nvSpPr>
           <p:spPr>
             <a:xfrm>
-              <a:off x="1026225" y="4086946"/>
+              <a:off x="1024520" y="4088736"/>
               <a:ext cx="34794" cy="0"/>
             </a:xfrm>
             <a:custGeom>
@@ -5061,7 +5061,7 @@
           </p:nvSpPr>
           <p:spPr>
             <a:xfrm>
-              <a:off x="1026225" y="3209464"/>
+              <a:off x="1024520" y="3210660"/>
               <a:ext cx="34794" cy="0"/>
             </a:xfrm>
             <a:custGeom>
@@ -5101,7 +5101,7 @@
           </p:nvSpPr>
           <p:spPr>
             <a:xfrm>
-              <a:off x="1026225" y="2331982"/>
+              <a:off x="1024520" y="2332584"/>
               <a:ext cx="34794" cy="0"/>
             </a:xfrm>
             <a:custGeom>
@@ -5141,7 +5141,7 @@
           </p:nvSpPr>
           <p:spPr>
             <a:xfrm>
-              <a:off x="1026225" y="1454500"/>
+              <a:off x="1024520" y="1454509"/>
               <a:ext cx="34794" cy="0"/>
             </a:xfrm>
             <a:custGeom>
@@ -5181,7 +5181,7 @@
           </p:nvSpPr>
           <p:spPr>
             <a:xfrm>
-              <a:off x="2250930" y="5977919"/>
+              <a:off x="2249495" y="5980989"/>
               <a:ext cx="0" cy="34794"/>
             </a:xfrm>
             <a:custGeom>
@@ -5221,7 +5221,7 @@
           </p:nvSpPr>
           <p:spPr>
             <a:xfrm>
-              <a:off x="3994260" y="5977919"/>
+              <a:off x="3993221" y="5980989"/>
               <a:ext cx="0" cy="34794"/>
             </a:xfrm>
             <a:custGeom>
@@ -5261,7 +5261,7 @@
           </p:nvSpPr>
           <p:spPr>
             <a:xfrm>
-              <a:off x="5737590" y="5977919"/>
+              <a:off x="5736948" y="5980989"/>
               <a:ext cx="0" cy="34794"/>
             </a:xfrm>
             <a:custGeom>
@@ -5301,7 +5301,7 @@
           </p:nvSpPr>
           <p:spPr>
             <a:xfrm>
-              <a:off x="7480920" y="5977919"/>
+              <a:off x="7480675" y="5980989"/>
               <a:ext cx="0" cy="34794"/>
             </a:xfrm>
             <a:custGeom>
@@ -5341,8 +5341,8 @@
           </p:nvSpPr>
           <p:spPr>
             <a:xfrm>
-              <a:off x="2219852" y="6042296"/>
-              <a:ext cx="62155" cy="78417"/>
+              <a:off x="2218417" y="6043292"/>
+              <a:ext cx="62155" cy="80327"/>
             </a:xfrm>
             <a:prstGeom prst="rect">
               <a:avLst/>
@@ -5371,8 +5371,8 @@
                       <a:alpha val="100000"/>
                     </a:srgbClr>
                   </a:solidFill>
-                  <a:latin typeface="Helvetica"/>
-                  <a:cs typeface="Helvetica"/>
+                  <a:latin typeface="Arial"/>
+                  <a:cs typeface="Arial"/>
                 </a:rPr>
                 <a:t>2</a:t>
               </a:r>
@@ -5387,8 +5387,8 @@
           </p:nvSpPr>
           <p:spPr>
             <a:xfrm>
-              <a:off x="3963182" y="6040331"/>
-              <a:ext cx="62155" cy="80382"/>
+              <a:off x="3962144" y="6041873"/>
+              <a:ext cx="62155" cy="81746"/>
             </a:xfrm>
             <a:prstGeom prst="rect">
               <a:avLst/>
@@ -5417,8 +5417,8 @@
                       <a:alpha val="100000"/>
                     </a:srgbClr>
                   </a:solidFill>
-                  <a:latin typeface="Helvetica"/>
-                  <a:cs typeface="Helvetica"/>
+                  <a:latin typeface="Arial"/>
+                  <a:cs typeface="Arial"/>
                 </a:rPr>
                 <a:t>3</a:t>
               </a:r>
@@ -5433,8 +5433,8 @@
           </p:nvSpPr>
           <p:spPr>
             <a:xfrm>
-              <a:off x="5706512" y="6042350"/>
-              <a:ext cx="62155" cy="78362"/>
+              <a:off x="5705870" y="6043619"/>
+              <a:ext cx="62155" cy="80000"/>
             </a:xfrm>
             <a:prstGeom prst="rect">
               <a:avLst/>
@@ -5463,8 +5463,8 @@
                       <a:alpha val="100000"/>
                     </a:srgbClr>
                   </a:solidFill>
-                  <a:latin typeface="Helvetica"/>
-                  <a:cs typeface="Helvetica"/>
+                  <a:latin typeface="Arial"/>
+                  <a:cs typeface="Arial"/>
                 </a:rPr>
                 <a:t>4</a:t>
               </a:r>
@@ -5479,8 +5479,8 @@
           </p:nvSpPr>
           <p:spPr>
             <a:xfrm>
-              <a:off x="7449842" y="6041914"/>
-              <a:ext cx="62155" cy="78799"/>
+              <a:off x="7449597" y="6043346"/>
+              <a:ext cx="62155" cy="80272"/>
             </a:xfrm>
             <a:prstGeom prst="rect">
               <a:avLst/>
@@ -5509,8 +5509,8 @@
                       <a:alpha val="100000"/>
                     </a:srgbClr>
                   </a:solidFill>
-                  <a:latin typeface="Helvetica"/>
-                  <a:cs typeface="Helvetica"/>
+                  <a:latin typeface="Arial"/>
+                  <a:cs typeface="Arial"/>
                 </a:rPr>
                 <a:t>5</a:t>
               </a:r>
@@ -5525,8 +5525,8 @@
           </p:nvSpPr>
           <p:spPr>
             <a:xfrm>
-              <a:off x="4741160" y="6185822"/>
-              <a:ext cx="139700" cy="94611"/>
+              <a:off x="4740307" y="6183230"/>
+              <a:ext cx="139700" cy="98704"/>
             </a:xfrm>
             <a:prstGeom prst="rect">
               <a:avLst/>
@@ -5555,8 +5555,8 @@
                       <a:alpha val="100000"/>
                     </a:srgbClr>
                   </a:solidFill>
-                  <a:latin typeface="Helvetica"/>
-                  <a:cs typeface="Helvetica"/>
+                  <a:latin typeface="Arial"/>
+                  <a:cs typeface="Arial"/>
                 </a:rPr>
                 <a:t>wt</a:t>
               </a:r>
@@ -5571,8 +5571,8 @@
           </p:nvSpPr>
           <p:spPr>
             <a:xfrm rot="-5400000">
-              <a:off x="619638" y="3656764"/>
-              <a:ext cx="271760" cy="105729"/>
+              <a:off x="620559" y="3659424"/>
+              <a:ext cx="271760" cy="103478"/>
             </a:xfrm>
             <a:prstGeom prst="rect">
               <a:avLst/>
@@ -5601,8 +5601,8 @@
                       <a:alpha val="100000"/>
                     </a:srgbClr>
                   </a:solidFill>
-                  <a:latin typeface="Helvetica"/>
-                  <a:cs typeface="Helvetica"/>
+                  <a:latin typeface="Arial"/>
+                  <a:cs typeface="Arial"/>
                 </a:rPr>
                 <a:t>mpg</a:t>
               </a:r>
@@ -5765,8 +5765,8 @@
           </p:nvSpPr>
           <p:spPr>
             <a:xfrm>
-              <a:off x="870040" y="1463189"/>
-              <a:ext cx="7650821" cy="4310952"/>
+              <a:off x="870040" y="1463188"/>
+              <a:ext cx="7650821" cy="4286167"/>
             </a:xfrm>
             <a:prstGeom prst="rect">
               <a:avLst/>
@@ -5791,7 +5791,7 @@
           </p:nvSpPr>
           <p:spPr>
             <a:xfrm>
-              <a:off x="870040" y="5090186"/>
+              <a:off x="870040" y="5069334"/>
               <a:ext cx="7650821" cy="0"/>
             </a:xfrm>
             <a:custGeom>
@@ -5834,7 +5834,7 @@
           </p:nvSpPr>
           <p:spPr>
             <a:xfrm>
-              <a:off x="870040" y="4088129"/>
+              <a:off x="870040" y="4073037"/>
               <a:ext cx="7650821" cy="0"/>
             </a:xfrm>
             <a:custGeom>
@@ -5877,7 +5877,7 @@
           </p:nvSpPr>
           <p:spPr>
             <a:xfrm>
-              <a:off x="870040" y="3086071"/>
+              <a:off x="870040" y="3076741"/>
               <a:ext cx="7650821" cy="0"/>
             </a:xfrm>
             <a:custGeom>
@@ -5920,7 +5920,7 @@
           </p:nvSpPr>
           <p:spPr>
             <a:xfrm>
-              <a:off x="870040" y="2084013"/>
+              <a:off x="870040" y="2080444"/>
               <a:ext cx="7650821" cy="0"/>
             </a:xfrm>
             <a:custGeom>
@@ -5963,7 +5963,7 @@
           </p:nvSpPr>
           <p:spPr>
             <a:xfrm>
-              <a:off x="4322011" y="4435836"/>
+              <a:off x="4322011" y="4418555"/>
               <a:ext cx="66150" cy="66150"/>
             </a:xfrm>
             <a:prstGeom prst="ellipse">
@@ -5998,7 +5998,7 @@
           </p:nvSpPr>
           <p:spPr>
             <a:xfrm>
-              <a:off x="4322011" y="4180311"/>
+              <a:off x="4322011" y="4164499"/>
               <a:ext cx="66150" cy="66150"/>
             </a:xfrm>
             <a:prstGeom prst="ellipse">
@@ -6033,7 +6033,7 @@
           </p:nvSpPr>
           <p:spPr>
             <a:xfrm>
-              <a:off x="4854756" y="4736453"/>
+              <a:off x="4854756" y="4717444"/>
               <a:ext cx="66150" cy="66150"/>
             </a:xfrm>
             <a:prstGeom prst="ellipse">
@@ -6068,7 +6068,7 @@
           </p:nvSpPr>
           <p:spPr>
             <a:xfrm>
-              <a:off x="4440399" y="3839611"/>
+              <a:off x="4440399" y="3825758"/>
               <a:ext cx="66150" cy="66150"/>
             </a:xfrm>
             <a:prstGeom prst="ellipse">
@@ -6103,7 +6103,7 @@
           </p:nvSpPr>
           <p:spPr>
             <a:xfrm>
-              <a:off x="3641280" y="3614148"/>
+              <a:off x="3641280" y="3601592"/>
               <a:ext cx="66150" cy="66150"/>
             </a:xfrm>
             <a:prstGeom prst="ellipse">
@@ -6138,7 +6138,7 @@
           </p:nvSpPr>
           <p:spPr>
             <a:xfrm>
-              <a:off x="3463698" y="3594107"/>
+              <a:off x="3463698" y="3581666"/>
               <a:ext cx="66150" cy="66150"/>
             </a:xfrm>
             <a:prstGeom prst="ellipse">
@@ -6173,7 +6173,7 @@
           </p:nvSpPr>
           <p:spPr>
             <a:xfrm>
-              <a:off x="2339012" y="3483881"/>
+              <a:off x="2339012" y="3472073"/>
               <a:ext cx="66150" cy="66150"/>
             </a:xfrm>
             <a:prstGeom prst="ellipse">
@@ -6208,7 +6208,7 @@
           </p:nvSpPr>
           <p:spPr>
             <a:xfrm>
-              <a:off x="5328308" y="3864663"/>
+              <a:off x="5328308" y="3850666"/>
               <a:ext cx="66150" cy="66150"/>
             </a:xfrm>
             <a:prstGeom prst="ellipse">
@@ -6243,7 +6243,7 @@
           </p:nvSpPr>
           <p:spPr>
             <a:xfrm>
-              <a:off x="4854756" y="3904745"/>
+              <a:off x="4854756" y="3890518"/>
               <a:ext cx="66150" cy="66150"/>
             </a:xfrm>
             <a:prstGeom prst="ellipse">
@@ -6278,7 +6278,7 @@
           </p:nvSpPr>
           <p:spPr>
             <a:xfrm>
-              <a:off x="3789265" y="3614148"/>
+              <a:off x="3789265" y="3601592"/>
               <a:ext cx="66150" cy="66150"/>
             </a:xfrm>
             <a:prstGeom prst="ellipse">
@@ -6313,7 +6313,7 @@
           </p:nvSpPr>
           <p:spPr>
             <a:xfrm>
-              <a:off x="3374907" y="3614148"/>
+              <a:off x="3374907" y="3601592"/>
               <a:ext cx="66150" cy="66150"/>
             </a:xfrm>
             <a:prstGeom prst="ellipse">
@@ -6348,7 +6348,7 @@
           </p:nvSpPr>
           <p:spPr>
             <a:xfrm>
-              <a:off x="2960549" y="2982852"/>
+              <a:off x="2960549" y="2973925"/>
               <a:ext cx="66150" cy="66150"/>
             </a:xfrm>
             <a:prstGeom prst="ellipse">
@@ -6383,7 +6383,7 @@
           </p:nvSpPr>
           <p:spPr>
             <a:xfrm>
-              <a:off x="3226922" y="3323552"/>
+              <a:off x="3226922" y="3312666"/>
               <a:ext cx="66150" cy="66150"/>
             </a:xfrm>
             <a:prstGeom prst="ellipse">
@@ -6418,7 +6418,7 @@
           </p:nvSpPr>
           <p:spPr>
             <a:xfrm>
-              <a:off x="2605385" y="3273449"/>
+              <a:off x="2605385" y="3262851"/>
               <a:ext cx="66150" cy="66150"/>
             </a:xfrm>
             <a:prstGeom prst="ellipse">
@@ -6453,7 +6453,7 @@
           </p:nvSpPr>
           <p:spPr>
             <a:xfrm>
-              <a:off x="1184730" y="1800424"/>
+              <a:off x="1184730" y="1798295"/>
               <a:ext cx="66150" cy="66150"/>
             </a:xfrm>
             <a:prstGeom prst="ellipse">
@@ -6488,7 +6488,7 @@
           </p:nvSpPr>
           <p:spPr>
             <a:xfrm>
-              <a:off x="1184730" y="1626066"/>
+              <a:off x="1184730" y="1624939"/>
               <a:ext cx="66150" cy="66150"/>
             </a:xfrm>
             <a:prstGeom prst="ellipse">
@@ -6523,7 +6523,7 @@
           </p:nvSpPr>
           <p:spPr>
             <a:xfrm>
-              <a:off x="2457400" y="1705228"/>
+              <a:off x="2457400" y="1703647"/>
               <a:ext cx="66150" cy="66150"/>
             </a:xfrm>
             <a:prstGeom prst="ellipse">
@@ -6558,7 +6558,7 @@
           </p:nvSpPr>
           <p:spPr>
             <a:xfrm>
-              <a:off x="7696067" y="4856700"/>
+              <a:off x="7696067" y="4836999"/>
               <a:ext cx="66150" cy="66150"/>
             </a:xfrm>
             <a:prstGeom prst="ellipse">
@@ -6593,7 +6593,7 @@
           </p:nvSpPr>
           <p:spPr>
             <a:xfrm>
-              <a:off x="7104127" y="5442904"/>
+              <a:off x="7104127" y="5419833"/>
               <a:ext cx="66150" cy="66150"/>
             </a:xfrm>
             <a:prstGeom prst="ellipse">
@@ -6628,7 +6628,7 @@
           </p:nvSpPr>
           <p:spPr>
             <a:xfrm>
-              <a:off x="8140022" y="5222451"/>
+              <a:off x="8140022" y="5200648"/>
               <a:ext cx="66150" cy="66150"/>
             </a:xfrm>
             <a:prstGeom prst="ellipse">
@@ -6663,7 +6663,7 @@
           </p:nvSpPr>
           <p:spPr>
             <a:xfrm>
-              <a:off x="4469996" y="4591155"/>
+              <a:off x="4469996" y="4572981"/>
               <a:ext cx="66150" cy="66150"/>
             </a:xfrm>
             <a:prstGeom prst="ellipse">
@@ -6698,7 +6698,7 @@
           </p:nvSpPr>
           <p:spPr>
             <a:xfrm>
-              <a:off x="2694176" y="3533984"/>
+              <a:off x="2694176" y="3521888"/>
               <a:ext cx="66150" cy="66150"/>
             </a:xfrm>
             <a:prstGeom prst="ellipse">
@@ -6733,7 +6733,7 @@
           </p:nvSpPr>
           <p:spPr>
             <a:xfrm>
-              <a:off x="2605385" y="3619159"/>
+              <a:off x="2605385" y="3606573"/>
               <a:ext cx="66150" cy="66150"/>
             </a:xfrm>
             <a:prstGeom prst="ellipse">
@@ -6768,7 +6768,7 @@
           </p:nvSpPr>
           <p:spPr>
             <a:xfrm>
-              <a:off x="2043043" y="3213325"/>
+              <a:off x="2043043" y="3203073"/>
               <a:ext cx="66150" cy="66150"/>
             </a:xfrm>
             <a:prstGeom prst="ellipse">
@@ -6803,7 +6803,7 @@
           </p:nvSpPr>
           <p:spPr>
             <a:xfrm>
-              <a:off x="3789265" y="3208315"/>
+              <a:off x="3789265" y="3198091"/>
               <a:ext cx="66150" cy="66150"/>
             </a:xfrm>
             <a:prstGeom prst="ellipse">
@@ -6838,7 +6838,7 @@
           </p:nvSpPr>
           <p:spPr>
             <a:xfrm>
-              <a:off x="6186621" y="5122245"/>
+              <a:off x="6186621" y="5101018"/>
               <a:ext cx="66150" cy="66150"/>
             </a:xfrm>
             <a:prstGeom prst="ellipse">
@@ -6873,7 +6873,7 @@
           </p:nvSpPr>
           <p:spPr>
             <a:xfrm>
-              <a:off x="5801860" y="4916823"/>
+              <a:off x="5801860" y="4896777"/>
               <a:ext cx="66150" cy="66150"/>
             </a:xfrm>
             <a:prstGeom prst="ellipse">
@@ -6908,7 +6908,7 @@
           </p:nvSpPr>
           <p:spPr>
             <a:xfrm>
-              <a:off x="7104127" y="5545113"/>
+              <a:off x="7104127" y="5521455"/>
               <a:ext cx="66150" cy="66150"/>
             </a:xfrm>
             <a:prstGeom prst="ellipse">
@@ -6943,7 +6943,7 @@
           </p:nvSpPr>
           <p:spPr>
             <a:xfrm>
-              <a:off x="2782967" y="3884704"/>
+              <a:off x="2782967" y="3870592"/>
               <a:ext cx="66150" cy="66150"/>
             </a:xfrm>
             <a:prstGeom prst="ellipse">
@@ -6978,7 +6978,7 @@
           </p:nvSpPr>
           <p:spPr>
             <a:xfrm>
-              <a:off x="3937250" y="4285527"/>
+              <a:off x="3937250" y="4269110"/>
               <a:ext cx="66150" cy="66150"/>
             </a:xfrm>
             <a:prstGeom prst="ellipse">
@@ -7013,7 +7013,7 @@
           </p:nvSpPr>
           <p:spPr>
             <a:xfrm>
-              <a:off x="2546191" y="3483881"/>
+              <a:off x="2546191" y="3472073"/>
               <a:ext cx="66150" cy="66150"/>
             </a:xfrm>
             <a:prstGeom prst="ellipse">
@@ -7048,7 +7048,7 @@
           </p:nvSpPr>
           <p:spPr>
             <a:xfrm>
-              <a:off x="4440399" y="4275506"/>
+              <a:off x="4440399" y="4259147"/>
               <a:ext cx="66150" cy="66150"/>
             </a:xfrm>
             <a:prstGeom prst="ellipse">
@@ -7083,8 +7083,8 @@
           </p:nvSpPr>
           <p:spPr>
             <a:xfrm>
-              <a:off x="640418" y="5011773"/>
-              <a:ext cx="127136" cy="160399"/>
+              <a:off x="640418" y="4986846"/>
+              <a:ext cx="127136" cy="164306"/>
             </a:xfrm>
             <a:prstGeom prst="rect">
               <a:avLst/>
@@ -7113,8 +7113,8 @@
                       <a:alpha val="100000"/>
                     </a:srgbClr>
                   </a:solidFill>
-                  <a:latin typeface="Helvetica"/>
-                  <a:cs typeface="Helvetica"/>
+                  <a:latin typeface="Arial"/>
+                  <a:cs typeface="Arial"/>
                 </a:rPr>
                 <a:t>2</a:t>
               </a:r>
@@ -7129,8 +7129,8 @@
           </p:nvSpPr>
           <p:spPr>
             <a:xfrm>
-              <a:off x="640418" y="4005697"/>
-              <a:ext cx="127136" cy="164417"/>
+              <a:off x="640418" y="3987647"/>
+              <a:ext cx="127136" cy="167208"/>
             </a:xfrm>
             <a:prstGeom prst="rect">
               <a:avLst/>
@@ -7159,8 +7159,8 @@
                       <a:alpha val="100000"/>
                     </a:srgbClr>
                   </a:solidFill>
-                  <a:latin typeface="Helvetica"/>
-                  <a:cs typeface="Helvetica"/>
+                  <a:latin typeface="Arial"/>
+                  <a:cs typeface="Arial"/>
                 </a:rPr>
                 <a:t>3</a:t>
               </a:r>
@@ -7175,8 +7175,8 @@
           </p:nvSpPr>
           <p:spPr>
             <a:xfrm>
-              <a:off x="640418" y="3007769"/>
-              <a:ext cx="127136" cy="160287"/>
+              <a:off x="640418" y="2994922"/>
+              <a:ext cx="127136" cy="163636"/>
             </a:xfrm>
             <a:prstGeom prst="rect">
               <a:avLst/>
@@ -7205,8 +7205,8 @@
                       <a:alpha val="100000"/>
                     </a:srgbClr>
                   </a:solidFill>
-                  <a:latin typeface="Helvetica"/>
-                  <a:cs typeface="Helvetica"/>
+                  <a:latin typeface="Arial"/>
+                  <a:cs typeface="Arial"/>
                 </a:rPr>
                 <a:t>4</a:t>
               </a:r>
@@ -7221,8 +7221,8 @@
           </p:nvSpPr>
           <p:spPr>
             <a:xfrm>
-              <a:off x="640418" y="2004818"/>
-              <a:ext cx="127136" cy="161180"/>
+              <a:off x="640418" y="1998068"/>
+              <a:ext cx="127136" cy="164194"/>
             </a:xfrm>
             <a:prstGeom prst="rect">
               <a:avLst/>
@@ -7251,8 +7251,8 @@
                       <a:alpha val="100000"/>
                     </a:srgbClr>
                   </a:solidFill>
-                  <a:latin typeface="Helvetica"/>
-                  <a:cs typeface="Helvetica"/>
+                  <a:latin typeface="Arial"/>
+                  <a:cs typeface="Arial"/>
                 </a:rPr>
                 <a:t>5</a:t>
               </a:r>
@@ -7267,7 +7267,7 @@
           </p:nvSpPr>
           <p:spPr>
             <a:xfrm>
-              <a:off x="870040" y="5774141"/>
+              <a:off x="870040" y="5749356"/>
               <a:ext cx="7650821" cy="0"/>
             </a:xfrm>
             <a:custGeom>
@@ -7307,7 +7307,7 @@
           </p:nvSpPr>
           <p:spPr>
             <a:xfrm>
-              <a:off x="1099417" y="5774141"/>
+              <a:off x="1099417" y="5749356"/>
               <a:ext cx="0" cy="56936"/>
             </a:xfrm>
             <a:custGeom>
@@ -7347,7 +7347,7 @@
           </p:nvSpPr>
           <p:spPr>
             <a:xfrm>
-              <a:off x="2579266" y="5774141"/>
+              <a:off x="2579266" y="5749356"/>
               <a:ext cx="0" cy="56936"/>
             </a:xfrm>
             <a:custGeom>
@@ -7387,7 +7387,7 @@
           </p:nvSpPr>
           <p:spPr>
             <a:xfrm>
-              <a:off x="4059116" y="5774141"/>
+              <a:off x="4059116" y="5749356"/>
               <a:ext cx="0" cy="56936"/>
             </a:xfrm>
             <a:custGeom>
@@ -7427,7 +7427,7 @@
           </p:nvSpPr>
           <p:spPr>
             <a:xfrm>
-              <a:off x="5538965" y="5774141"/>
+              <a:off x="5538965" y="5749356"/>
               <a:ext cx="0" cy="56936"/>
             </a:xfrm>
             <a:custGeom>
@@ -7467,7 +7467,7 @@
           </p:nvSpPr>
           <p:spPr>
             <a:xfrm>
-              <a:off x="7018814" y="5774141"/>
+              <a:off x="7018814" y="5749356"/>
               <a:ext cx="0" cy="56936"/>
             </a:xfrm>
             <a:custGeom>
@@ -7507,7 +7507,7 @@
           </p:nvSpPr>
           <p:spPr>
             <a:xfrm>
-              <a:off x="8498664" y="5774141"/>
+              <a:off x="8498664" y="5749356"/>
               <a:ext cx="0" cy="56936"/>
             </a:xfrm>
             <a:custGeom>
@@ -7547,8 +7547,8 @@
           </p:nvSpPr>
           <p:spPr>
             <a:xfrm>
-              <a:off x="972281" y="5876403"/>
-              <a:ext cx="254272" cy="164194"/>
+              <a:off x="972281" y="5878747"/>
+              <a:ext cx="254272" cy="167096"/>
             </a:xfrm>
             <a:prstGeom prst="rect">
               <a:avLst/>
@@ -7577,8 +7577,8 @@
                       <a:alpha val="100000"/>
                     </a:srgbClr>
                   </a:solidFill>
-                  <a:latin typeface="Helvetica"/>
-                  <a:cs typeface="Helvetica"/>
+                  <a:latin typeface="Arial"/>
+                  <a:cs typeface="Arial"/>
                 </a:rPr>
                 <a:t>10</a:t>
               </a:r>
@@ -7593,8 +7593,8 @@
           </p:nvSpPr>
           <p:spPr>
             <a:xfrm>
-              <a:off x="2452130" y="5877408"/>
-              <a:ext cx="254272" cy="163190"/>
+              <a:off x="2452130" y="5878747"/>
+              <a:ext cx="254272" cy="167096"/>
             </a:xfrm>
             <a:prstGeom prst="rect">
               <a:avLst/>
@@ -7623,8 +7623,8 @@
                       <a:alpha val="100000"/>
                     </a:srgbClr>
                   </a:solidFill>
-                  <a:latin typeface="Helvetica"/>
-                  <a:cs typeface="Helvetica"/>
+                  <a:latin typeface="Arial"/>
+                  <a:cs typeface="Arial"/>
                 </a:rPr>
                 <a:t>15</a:t>
               </a:r>
@@ -7639,8 +7639,8 @@
           </p:nvSpPr>
           <p:spPr>
             <a:xfrm>
-              <a:off x="3931979" y="5875845"/>
-              <a:ext cx="254272" cy="164752"/>
+              <a:off x="3931979" y="5878747"/>
+              <a:ext cx="254272" cy="167096"/>
             </a:xfrm>
             <a:prstGeom prst="rect">
               <a:avLst/>
@@ -7669,8 +7669,8 @@
                       <a:alpha val="100000"/>
                     </a:srgbClr>
                   </a:solidFill>
-                  <a:latin typeface="Helvetica"/>
-                  <a:cs typeface="Helvetica"/>
+                  <a:latin typeface="Arial"/>
+                  <a:cs typeface="Arial"/>
                 </a:rPr>
                 <a:t>20</a:t>
               </a:r>
@@ -7685,8 +7685,8 @@
           </p:nvSpPr>
           <p:spPr>
             <a:xfrm>
-              <a:off x="5411829" y="5876180"/>
-              <a:ext cx="254272" cy="164417"/>
+              <a:off x="5411829" y="5878747"/>
+              <a:ext cx="254272" cy="167096"/>
             </a:xfrm>
             <a:prstGeom prst="rect">
               <a:avLst/>
@@ -7715,8 +7715,8 @@
                       <a:alpha val="100000"/>
                     </a:srgbClr>
                   </a:solidFill>
-                  <a:latin typeface="Helvetica"/>
-                  <a:cs typeface="Helvetica"/>
+                  <a:latin typeface="Arial"/>
+                  <a:cs typeface="Arial"/>
                 </a:rPr>
                 <a:t>25</a:t>
               </a:r>
@@ -7731,8 +7731,8 @@
           </p:nvSpPr>
           <p:spPr>
             <a:xfrm>
-              <a:off x="6891678" y="5876180"/>
-              <a:ext cx="254272" cy="164417"/>
+              <a:off x="6891678" y="5878636"/>
+              <a:ext cx="254272" cy="167208"/>
             </a:xfrm>
             <a:prstGeom prst="rect">
               <a:avLst/>
@@ -7761,8 +7761,8 @@
                       <a:alpha val="100000"/>
                     </a:srgbClr>
                   </a:solidFill>
-                  <a:latin typeface="Helvetica"/>
-                  <a:cs typeface="Helvetica"/>
+                  <a:latin typeface="Arial"/>
+                  <a:cs typeface="Arial"/>
                 </a:rPr>
                 <a:t>30</a:t>
               </a:r>
@@ -7777,8 +7777,8 @@
           </p:nvSpPr>
           <p:spPr>
             <a:xfrm>
-              <a:off x="8371527" y="5876180"/>
-              <a:ext cx="254272" cy="164417"/>
+              <a:off x="8371527" y="5878636"/>
+              <a:ext cx="254272" cy="167208"/>
             </a:xfrm>
             <a:prstGeom prst="rect">
               <a:avLst/>
@@ -7807,8 +7807,8 @@
                       <a:alpha val="100000"/>
                     </a:srgbClr>
                   </a:solidFill>
-                  <a:latin typeface="Helvetica"/>
-                  <a:cs typeface="Helvetica"/>
+                  <a:latin typeface="Arial"/>
+                  <a:cs typeface="Arial"/>
                 </a:rPr>
                 <a:t>35</a:t>
               </a:r>
@@ -7823,8 +7823,8 @@
           </p:nvSpPr>
           <p:spPr>
             <a:xfrm>
-              <a:off x="4473102" y="6139057"/>
-              <a:ext cx="444698" cy="173012"/>
+              <a:off x="4473102" y="6145197"/>
+              <a:ext cx="444698" cy="169329"/>
             </a:xfrm>
             <a:prstGeom prst="rect">
               <a:avLst/>
@@ -7853,8 +7853,8 @@
                       <a:alpha val="100000"/>
                     </a:srgbClr>
                   </a:solidFill>
-                  <a:latin typeface="Helvetica"/>
-                  <a:cs typeface="Helvetica"/>
+                  <a:latin typeface="Arial"/>
+                  <a:cs typeface="Arial"/>
                 </a:rPr>
                 <a:t>mpg</a:t>
               </a:r>

--- a/tests/testthat/multi_slide_fullslide_43.pptx
+++ b/tests/testthat/multi_slide_fullslide_43.pptx
@@ -496,7 +496,7 @@
             <a:r>
               <a:rPr/>
               <a:t>
-Powerpoint file location: C:\Users\parkinsonn\Documents\grattantheme\tests\testthat\multi_slide_fullslide_43.pptx</a:t>
+Powerpoint file location: /Users/mbbowes/Documents/GitHub/grattantheme/tests/testthat/multi_slide_fullslide_43.pptx</a:t>
             </a:r>
           </a:p>
         </p:txBody>
@@ -544,7 +544,7 @@
             <a:r>
               <a:rPr/>
               <a:t>
-Powerpoint file location: C:\Users\parkinsonn\Documents\grattantheme\tests\testthat\multi_slide_fullslide_43.pptx</a:t>
+Powerpoint file location: /Users/mbbowes/Documents/GitHub/grattantheme/tests/testthat/multi_slide_fullslide_43.pptx</a:t>
             </a:r>
           </a:p>
         </p:txBody>
@@ -2659,8 +2659,8 @@
           </p:nvSpPr>
           <p:spPr>
             <a:xfrm>
-              <a:off x="1059314" y="1441338"/>
-              <a:ext cx="7501686" cy="4539651"/>
+              <a:off x="1061020" y="1441338"/>
+              <a:ext cx="7499980" cy="4536581"/>
             </a:xfrm>
             <a:prstGeom prst="rect">
               <a:avLst/>
@@ -2685,21 +2685,21 @@
           </p:nvSpPr>
           <p:spPr>
             <a:xfrm>
-              <a:off x="1059314" y="5405849"/>
-              <a:ext cx="7501686" cy="0"/>
+              <a:off x="1061020" y="5403169"/>
+              <a:ext cx="7499980" cy="0"/>
             </a:xfrm>
             <a:custGeom>
               <a:avLst/>
               <a:pathLst>
-                <a:path w="7501686" h="0">
+                <a:path w="7499980" h="0">
                   <a:moveTo>
                     <a:pt x="0" y="0"/>
                   </a:moveTo>
                   <a:lnTo>
-                    <a:pt x="7501686" y="0"/>
+                    <a:pt x="7499980" y="0"/>
                   </a:lnTo>
                   <a:lnTo>
-                    <a:pt x="7501686" y="0"/>
+                    <a:pt x="7499980" y="0"/>
                   </a:lnTo>
                 </a:path>
               </a:pathLst>
@@ -2728,21 +2728,21 @@
           </p:nvSpPr>
           <p:spPr>
             <a:xfrm>
-              <a:off x="1059314" y="4527774"/>
-              <a:ext cx="7501686" cy="0"/>
+              <a:off x="1061020" y="4525687"/>
+              <a:ext cx="7499980" cy="0"/>
             </a:xfrm>
             <a:custGeom>
               <a:avLst/>
               <a:pathLst>
-                <a:path w="7501686" h="0">
+                <a:path w="7499980" h="0">
                   <a:moveTo>
                     <a:pt x="0" y="0"/>
                   </a:moveTo>
                   <a:lnTo>
-                    <a:pt x="7501686" y="0"/>
+                    <a:pt x="7499980" y="0"/>
                   </a:lnTo>
                   <a:lnTo>
-                    <a:pt x="7501686" y="0"/>
+                    <a:pt x="7499980" y="0"/>
                   </a:lnTo>
                 </a:path>
               </a:pathLst>
@@ -2771,21 +2771,21 @@
           </p:nvSpPr>
           <p:spPr>
             <a:xfrm>
-              <a:off x="1059314" y="3649698"/>
-              <a:ext cx="7501686" cy="0"/>
+              <a:off x="1061020" y="3648205"/>
+              <a:ext cx="7499980" cy="0"/>
             </a:xfrm>
             <a:custGeom>
               <a:avLst/>
               <a:pathLst>
-                <a:path w="7501686" h="0">
+                <a:path w="7499980" h="0">
                   <a:moveTo>
                     <a:pt x="0" y="0"/>
                   </a:moveTo>
                   <a:lnTo>
-                    <a:pt x="7501686" y="0"/>
+                    <a:pt x="7499980" y="0"/>
                   </a:lnTo>
                   <a:lnTo>
-                    <a:pt x="7501686" y="0"/>
+                    <a:pt x="7499980" y="0"/>
                   </a:lnTo>
                 </a:path>
               </a:pathLst>
@@ -2814,21 +2814,21 @@
           </p:nvSpPr>
           <p:spPr>
             <a:xfrm>
-              <a:off x="1059314" y="2771622"/>
-              <a:ext cx="7501686" cy="0"/>
+              <a:off x="1061020" y="2770723"/>
+              <a:ext cx="7499980" cy="0"/>
             </a:xfrm>
             <a:custGeom>
               <a:avLst/>
               <a:pathLst>
-                <a:path w="7501686" h="0">
+                <a:path w="7499980" h="0">
                   <a:moveTo>
                     <a:pt x="0" y="0"/>
                   </a:moveTo>
                   <a:lnTo>
-                    <a:pt x="7501686" y="0"/>
+                    <a:pt x="7499980" y="0"/>
                   </a:lnTo>
                   <a:lnTo>
-                    <a:pt x="7501686" y="0"/>
+                    <a:pt x="7499980" y="0"/>
                   </a:lnTo>
                 </a:path>
               </a:pathLst>
@@ -2857,21 +2857,21 @@
           </p:nvSpPr>
           <p:spPr>
             <a:xfrm>
-              <a:off x="1059314" y="1893547"/>
-              <a:ext cx="7501686" cy="0"/>
+              <a:off x="1061020" y="1893241"/>
+              <a:ext cx="7499980" cy="0"/>
             </a:xfrm>
             <a:custGeom>
               <a:avLst/>
               <a:pathLst>
-                <a:path w="7501686" h="0">
+                <a:path w="7499980" h="0">
                   <a:moveTo>
                     <a:pt x="0" y="0"/>
                   </a:moveTo>
                   <a:lnTo>
-                    <a:pt x="7501686" y="0"/>
+                    <a:pt x="7499980" y="0"/>
                   </a:lnTo>
                   <a:lnTo>
-                    <a:pt x="7501686" y="0"/>
+                    <a:pt x="7499980" y="0"/>
                   </a:lnTo>
                 </a:path>
               </a:pathLst>
@@ -2900,15 +2900,15 @@
           </p:nvSpPr>
           <p:spPr>
             <a:xfrm>
-              <a:off x="1377632" y="1441338"/>
-              <a:ext cx="0" cy="4539651"/>
+              <a:off x="1379264" y="1441338"/>
+              <a:ext cx="0" cy="4536581"/>
             </a:xfrm>
             <a:custGeom>
               <a:avLst/>
               <a:pathLst>
-                <a:path w="0" h="4539651">
+                <a:path w="0" h="4536581">
                   <a:moveTo>
-                    <a:pt x="0" y="4539651"/>
+                    <a:pt x="0" y="4536581"/>
                   </a:moveTo>
                   <a:lnTo>
                     <a:pt x="0" y="0"/>
@@ -2943,15 +2943,15 @@
           </p:nvSpPr>
           <p:spPr>
             <a:xfrm>
-              <a:off x="3121358" y="1441338"/>
-              <a:ext cx="0" cy="4539651"/>
+              <a:off x="3122595" y="1441338"/>
+              <a:ext cx="0" cy="4536581"/>
             </a:xfrm>
             <a:custGeom>
               <a:avLst/>
               <a:pathLst>
-                <a:path w="0" h="4539651">
+                <a:path w="0" h="4536581">
                   <a:moveTo>
-                    <a:pt x="0" y="4539651"/>
+                    <a:pt x="0" y="4536581"/>
                   </a:moveTo>
                   <a:lnTo>
                     <a:pt x="0" y="0"/>
@@ -2986,15 +2986,15 @@
           </p:nvSpPr>
           <p:spPr>
             <a:xfrm>
-              <a:off x="4865085" y="1441338"/>
-              <a:ext cx="0" cy="4539651"/>
+              <a:off x="4865925" y="1441338"/>
+              <a:ext cx="0" cy="4536581"/>
             </a:xfrm>
             <a:custGeom>
               <a:avLst/>
               <a:pathLst>
-                <a:path w="0" h="4539651">
+                <a:path w="0" h="4536581">
                   <a:moveTo>
-                    <a:pt x="0" y="4539651"/>
+                    <a:pt x="0" y="4536581"/>
                   </a:moveTo>
                   <a:lnTo>
                     <a:pt x="0" y="0"/>
@@ -3029,15 +3029,15 @@
           </p:nvSpPr>
           <p:spPr>
             <a:xfrm>
-              <a:off x="6608811" y="1441338"/>
-              <a:ext cx="0" cy="4539651"/>
+              <a:off x="6609255" y="1441338"/>
+              <a:ext cx="0" cy="4536581"/>
             </a:xfrm>
             <a:custGeom>
               <a:avLst/>
               <a:pathLst>
-                <a:path w="0" h="4539651">
+                <a:path w="0" h="4536581">
                   <a:moveTo>
-                    <a:pt x="0" y="4539651"/>
+                    <a:pt x="0" y="4536581"/>
                   </a:moveTo>
                   <a:lnTo>
                     <a:pt x="0" y="0"/>
@@ -3072,15 +3072,15 @@
           </p:nvSpPr>
           <p:spPr>
             <a:xfrm>
-              <a:off x="8352538" y="1441338"/>
-              <a:ext cx="0" cy="4539651"/>
+              <a:off x="8352585" y="1441338"/>
+              <a:ext cx="0" cy="4536581"/>
             </a:xfrm>
             <a:custGeom>
               <a:avLst/>
               <a:pathLst>
-                <a:path w="0" h="4539651">
+                <a:path w="0" h="4536581">
                   <a:moveTo>
-                    <a:pt x="0" y="4539651"/>
+                    <a:pt x="0" y="4536581"/>
                   </a:moveTo>
                   <a:lnTo>
                     <a:pt x="0" y="0"/>
@@ -3115,21 +3115,21 @@
           </p:nvSpPr>
           <p:spPr>
             <a:xfrm>
-              <a:off x="1059314" y="5844887"/>
-              <a:ext cx="7501686" cy="0"/>
+              <a:off x="1061020" y="5841910"/>
+              <a:ext cx="7499980" cy="0"/>
             </a:xfrm>
             <a:custGeom>
               <a:avLst/>
               <a:pathLst>
-                <a:path w="7501686" h="0">
+                <a:path w="7499980" h="0">
                   <a:moveTo>
                     <a:pt x="0" y="0"/>
                   </a:moveTo>
                   <a:lnTo>
-                    <a:pt x="7501686" y="0"/>
+                    <a:pt x="7499980" y="0"/>
                   </a:lnTo>
                   <a:lnTo>
-                    <a:pt x="7501686" y="0"/>
+                    <a:pt x="7499980" y="0"/>
                   </a:lnTo>
                 </a:path>
               </a:pathLst>
@@ -3158,21 +3158,21 @@
           </p:nvSpPr>
           <p:spPr>
             <a:xfrm>
-              <a:off x="1059314" y="4966812"/>
-              <a:ext cx="7501686" cy="0"/>
+              <a:off x="1061020" y="4964428"/>
+              <a:ext cx="7499980" cy="0"/>
             </a:xfrm>
             <a:custGeom>
               <a:avLst/>
               <a:pathLst>
-                <a:path w="7501686" h="0">
+                <a:path w="7499980" h="0">
                   <a:moveTo>
                     <a:pt x="0" y="0"/>
                   </a:moveTo>
                   <a:lnTo>
-                    <a:pt x="7501686" y="0"/>
+                    <a:pt x="7499980" y="0"/>
                   </a:lnTo>
                   <a:lnTo>
-                    <a:pt x="7501686" y="0"/>
+                    <a:pt x="7499980" y="0"/>
                   </a:lnTo>
                 </a:path>
               </a:pathLst>
@@ -3201,21 +3201,21 @@
           </p:nvSpPr>
           <p:spPr>
             <a:xfrm>
-              <a:off x="1059314" y="4088736"/>
-              <a:ext cx="7501686" cy="0"/>
+              <a:off x="1061020" y="4086946"/>
+              <a:ext cx="7499980" cy="0"/>
             </a:xfrm>
             <a:custGeom>
               <a:avLst/>
               <a:pathLst>
-                <a:path w="7501686" h="0">
+                <a:path w="7499980" h="0">
                   <a:moveTo>
                     <a:pt x="0" y="0"/>
                   </a:moveTo>
                   <a:lnTo>
-                    <a:pt x="7501686" y="0"/>
+                    <a:pt x="7499980" y="0"/>
                   </a:lnTo>
                   <a:lnTo>
-                    <a:pt x="7501686" y="0"/>
+                    <a:pt x="7499980" y="0"/>
                   </a:lnTo>
                 </a:path>
               </a:pathLst>
@@ -3244,21 +3244,21 @@
           </p:nvSpPr>
           <p:spPr>
             <a:xfrm>
-              <a:off x="1059314" y="3210660"/>
-              <a:ext cx="7501686" cy="0"/>
+              <a:off x="1061020" y="3209464"/>
+              <a:ext cx="7499980" cy="0"/>
             </a:xfrm>
             <a:custGeom>
               <a:avLst/>
               <a:pathLst>
-                <a:path w="7501686" h="0">
+                <a:path w="7499980" h="0">
                   <a:moveTo>
                     <a:pt x="0" y="0"/>
                   </a:moveTo>
                   <a:lnTo>
-                    <a:pt x="7501686" y="0"/>
+                    <a:pt x="7499980" y="0"/>
                   </a:lnTo>
                   <a:lnTo>
-                    <a:pt x="7501686" y="0"/>
+                    <a:pt x="7499980" y="0"/>
                   </a:lnTo>
                 </a:path>
               </a:pathLst>
@@ -3287,21 +3287,21 @@
           </p:nvSpPr>
           <p:spPr>
             <a:xfrm>
-              <a:off x="1059314" y="2332584"/>
-              <a:ext cx="7501686" cy="0"/>
+              <a:off x="1061020" y="2331982"/>
+              <a:ext cx="7499980" cy="0"/>
             </a:xfrm>
             <a:custGeom>
               <a:avLst/>
               <a:pathLst>
-                <a:path w="7501686" h="0">
+                <a:path w="7499980" h="0">
                   <a:moveTo>
                     <a:pt x="0" y="0"/>
                   </a:moveTo>
                   <a:lnTo>
-                    <a:pt x="7501686" y="0"/>
+                    <a:pt x="7499980" y="0"/>
                   </a:lnTo>
                   <a:lnTo>
-                    <a:pt x="7501686" y="0"/>
+                    <a:pt x="7499980" y="0"/>
                   </a:lnTo>
                 </a:path>
               </a:pathLst>
@@ -3330,21 +3330,21 @@
           </p:nvSpPr>
           <p:spPr>
             <a:xfrm>
-              <a:off x="1059314" y="1454509"/>
-              <a:ext cx="7501686" cy="0"/>
+              <a:off x="1061020" y="1454500"/>
+              <a:ext cx="7499980" cy="0"/>
             </a:xfrm>
             <a:custGeom>
               <a:avLst/>
               <a:pathLst>
-                <a:path w="7501686" h="0">
+                <a:path w="7499980" h="0">
                   <a:moveTo>
                     <a:pt x="0" y="0"/>
                   </a:moveTo>
                   <a:lnTo>
-                    <a:pt x="7501686" y="0"/>
+                    <a:pt x="7499980" y="0"/>
                   </a:lnTo>
                   <a:lnTo>
-                    <a:pt x="7501686" y="0"/>
+                    <a:pt x="7499980" y="0"/>
                   </a:lnTo>
                 </a:path>
               </a:pathLst>
@@ -3373,15 +3373,15 @@
           </p:nvSpPr>
           <p:spPr>
             <a:xfrm>
-              <a:off x="2249495" y="1441338"/>
-              <a:ext cx="0" cy="4539651"/>
+              <a:off x="2250930" y="1441338"/>
+              <a:ext cx="0" cy="4536581"/>
             </a:xfrm>
             <a:custGeom>
               <a:avLst/>
               <a:pathLst>
-                <a:path w="0" h="4539651">
+                <a:path w="0" h="4536581">
                   <a:moveTo>
-                    <a:pt x="0" y="4539651"/>
+                    <a:pt x="0" y="4536581"/>
                   </a:moveTo>
                   <a:lnTo>
                     <a:pt x="0" y="0"/>
@@ -3416,15 +3416,15 @@
           </p:nvSpPr>
           <p:spPr>
             <a:xfrm>
-              <a:off x="3993221" y="1441338"/>
-              <a:ext cx="0" cy="4539651"/>
+              <a:off x="3994260" y="1441338"/>
+              <a:ext cx="0" cy="4536581"/>
             </a:xfrm>
             <a:custGeom>
               <a:avLst/>
               <a:pathLst>
-                <a:path w="0" h="4539651">
+                <a:path w="0" h="4536581">
                   <a:moveTo>
-                    <a:pt x="0" y="4539651"/>
+                    <a:pt x="0" y="4536581"/>
                   </a:moveTo>
                   <a:lnTo>
                     <a:pt x="0" y="0"/>
@@ -3459,15 +3459,15 @@
           </p:nvSpPr>
           <p:spPr>
             <a:xfrm>
-              <a:off x="5736948" y="1441338"/>
-              <a:ext cx="0" cy="4539651"/>
+              <a:off x="5737590" y="1441338"/>
+              <a:ext cx="0" cy="4536581"/>
             </a:xfrm>
             <a:custGeom>
               <a:avLst/>
               <a:pathLst>
-                <a:path w="0" h="4539651">
+                <a:path w="0" h="4536581">
                   <a:moveTo>
-                    <a:pt x="0" y="4539651"/>
+                    <a:pt x="0" y="4536581"/>
                   </a:moveTo>
                   <a:lnTo>
                     <a:pt x="0" y="0"/>
@@ -3502,15 +3502,15 @@
           </p:nvSpPr>
           <p:spPr>
             <a:xfrm>
-              <a:off x="7480675" y="1441338"/>
-              <a:ext cx="0" cy="4539651"/>
+              <a:off x="7480920" y="1441338"/>
+              <a:ext cx="0" cy="4536581"/>
             </a:xfrm>
             <a:custGeom>
               <a:avLst/>
               <a:pathLst>
-                <a:path w="0" h="4539651">
+                <a:path w="0" h="4536581">
                   <a:moveTo>
-                    <a:pt x="0" y="4539651"/>
+                    <a:pt x="0" y="4536581"/>
                   </a:moveTo>
                   <a:lnTo>
                     <a:pt x="0" y="0"/>
@@ -3545,7 +3545,7 @@
           </p:nvSpPr>
           <p:spPr>
             <a:xfrm>
-              <a:off x="3297530" y="3880046"/>
+              <a:off x="3298719" y="3878374"/>
               <a:ext cx="66150" cy="66150"/>
             </a:xfrm>
             <a:prstGeom prst="ellipse">
@@ -3580,7 +3580,7 @@
           </p:nvSpPr>
           <p:spPr>
             <a:xfrm>
-              <a:off x="3742181" y="3880046"/>
+              <a:off x="3743269" y="3878374"/>
               <a:ext cx="66150" cy="66150"/>
             </a:xfrm>
             <a:prstGeom prst="ellipse">
@@ -3615,7 +3615,7 @@
           </p:nvSpPr>
           <p:spPr>
             <a:xfrm>
-              <a:off x="2774412" y="3563938"/>
+              <a:off x="2775720" y="3562481"/>
               <a:ext cx="66150" cy="66150"/>
             </a:xfrm>
             <a:prstGeom prst="ellipse">
@@ -3650,7 +3650,7 @@
           </p:nvSpPr>
           <p:spPr>
             <a:xfrm>
-              <a:off x="4335048" y="3809800"/>
+              <a:off x="4336001" y="3808176"/>
               <a:ext cx="66150" cy="66150"/>
             </a:xfrm>
             <a:prstGeom prst="ellipse">
@@ -3685,7 +3685,7 @@
           </p:nvSpPr>
           <p:spPr>
             <a:xfrm>
-              <a:off x="4727386" y="4283961"/>
+              <a:off x="4728250" y="4282016"/>
               <a:ext cx="66150" cy="66150"/>
             </a:xfrm>
             <a:prstGeom prst="ellipse">
@@ -3720,7 +3720,7 @@
           </p:nvSpPr>
           <p:spPr>
             <a:xfrm>
-              <a:off x="4762261" y="4389330"/>
+              <a:off x="4763117" y="4387314"/>
               <a:ext cx="66150" cy="66150"/>
             </a:xfrm>
             <a:prstGeom prst="ellipse">
@@ -3755,7 +3755,7 @@
           </p:nvSpPr>
           <p:spPr>
             <a:xfrm>
-              <a:off x="4954071" y="5056667"/>
+              <a:off x="4954883" y="5054200"/>
               <a:ext cx="66150" cy="66150"/>
             </a:xfrm>
             <a:prstGeom prst="ellipse">
@@ -3790,7 +3790,7 @@
           </p:nvSpPr>
           <p:spPr>
             <a:xfrm>
-              <a:off x="4291454" y="3282954"/>
+              <a:off x="4292418" y="3281687"/>
               <a:ext cx="66150" cy="66150"/>
             </a:xfrm>
             <a:prstGeom prst="ellipse">
@@ -3825,7 +3825,7 @@
           </p:nvSpPr>
           <p:spPr>
             <a:xfrm>
-              <a:off x="4221705" y="3563938"/>
+              <a:off x="4222684" y="3562481"/>
               <a:ext cx="66150" cy="66150"/>
             </a:xfrm>
             <a:prstGeom prst="ellipse">
@@ -3860,7 +3860,7 @@
           </p:nvSpPr>
           <p:spPr>
             <a:xfrm>
-              <a:off x="4727386" y="4196153"/>
+              <a:off x="4728250" y="4194268"/>
               <a:ext cx="66150" cy="66150"/>
             </a:xfrm>
             <a:prstGeom prst="ellipse">
@@ -3895,7 +3895,7 @@
           </p:nvSpPr>
           <p:spPr>
             <a:xfrm>
-              <a:off x="4727386" y="4442014"/>
+              <a:off x="4728250" y="4439963"/>
               <a:ext cx="66150" cy="66150"/>
             </a:xfrm>
             <a:prstGeom prst="ellipse">
@@ -3930,7 +3930,7 @@
           </p:nvSpPr>
           <p:spPr>
             <a:xfrm>
-              <a:off x="5825934" y="4687875"/>
+              <a:off x="5826548" y="4685658"/>
               <a:ext cx="66150" cy="66150"/>
             </a:xfrm>
             <a:prstGeom prst="ellipse">
@@ -3965,7 +3965,7 @@
           </p:nvSpPr>
           <p:spPr>
             <a:xfrm>
-              <a:off x="5233067" y="4529822"/>
+              <a:off x="5233816" y="4527711"/>
               <a:ext cx="66150" cy="66150"/>
             </a:xfrm>
             <a:prstGeom prst="ellipse">
@@ -4000,7 +4000,7 @@
           </p:nvSpPr>
           <p:spPr>
             <a:xfrm>
-              <a:off x="5320253" y="4898614"/>
+              <a:off x="5320982" y="4896253"/>
               <a:ext cx="66150" cy="66150"/>
             </a:xfrm>
             <a:prstGeom prst="ellipse">
@@ -4035,7 +4035,7 @@
           </p:nvSpPr>
           <p:spPr>
             <a:xfrm>
-              <a:off x="7883531" y="5741566"/>
+              <a:off x="7883678" y="5738636"/>
               <a:ext cx="66150" cy="66150"/>
             </a:xfrm>
             <a:prstGeom prst="ellipse">
@@ -4070,7 +4070,7 @@
           </p:nvSpPr>
           <p:spPr>
             <a:xfrm>
-              <a:off x="8186940" y="5741566"/>
+              <a:off x="8187017" y="5738636"/>
               <a:ext cx="66150" cy="66150"/>
             </a:xfrm>
             <a:prstGeom prst="ellipse">
@@ -4105,7 +4105,7 @@
           </p:nvSpPr>
           <p:spPr>
             <a:xfrm>
-              <a:off x="8049185" y="4986421"/>
+              <a:off x="8049294" y="4984002"/>
               <a:ext cx="66150" cy="66150"/>
             </a:xfrm>
             <a:prstGeom prst="ellipse">
@@ -4140,7 +4140,7 @@
           </p:nvSpPr>
           <p:spPr>
             <a:xfrm>
-              <a:off x="2565165" y="1878033"/>
+              <a:off x="2566521" y="1877715"/>
               <a:ext cx="66150" cy="66150"/>
             </a:xfrm>
             <a:prstGeom prst="ellipse">
@@ -4175,7 +4175,7 @@
           </p:nvSpPr>
           <p:spPr>
             <a:xfrm>
-              <a:off x="1545085" y="2229263"/>
+              <a:off x="1546672" y="2228708"/>
               <a:ext cx="66150" cy="66150"/>
             </a:xfrm>
             <a:prstGeom prst="ellipse">
@@ -4210,7 +4210,7 @@
           </p:nvSpPr>
           <p:spPr>
             <a:xfrm>
-              <a:off x="1928705" y="1614610"/>
+              <a:off x="1930205" y="1614471"/>
               <a:ext cx="66150" cy="66150"/>
             </a:xfrm>
             <a:prstGeom prst="ellipse">
@@ -4245,7 +4245,7 @@
           </p:nvSpPr>
           <p:spPr>
             <a:xfrm>
-              <a:off x="3027253" y="3792238"/>
+              <a:off x="3028503" y="3790626"/>
               <a:ext cx="66150" cy="66150"/>
             </a:xfrm>
             <a:prstGeom prst="ellipse">
@@ -4280,7 +4280,7 @@
           </p:nvSpPr>
           <p:spPr>
             <a:xfrm>
-              <a:off x="4866884" y="4845929"/>
+              <a:off x="4867717" y="4843605"/>
               <a:ext cx="66150" cy="66150"/>
             </a:xfrm>
             <a:prstGeom prst="ellipse">
@@ -4315,7 +4315,7 @@
           </p:nvSpPr>
           <p:spPr>
             <a:xfrm>
-              <a:off x="4718668" y="4898614"/>
+              <a:off x="4719533" y="4896253"/>
               <a:ext cx="66150" cy="66150"/>
             </a:xfrm>
             <a:prstGeom prst="ellipse">
@@ -4350,7 +4350,7 @@
           </p:nvSpPr>
           <p:spPr>
             <a:xfrm>
-              <a:off x="5424877" y="5232282"/>
+              <a:off x="5425582" y="5229697"/>
               <a:ext cx="66150" cy="66150"/>
             </a:xfrm>
             <a:prstGeom prst="ellipse">
@@ -4385,7 +4385,7 @@
           </p:nvSpPr>
           <p:spPr>
             <a:xfrm>
-              <a:off x="5433595" y="4196153"/>
+              <a:off x="5434299" y="4194268"/>
               <a:ext cx="66150" cy="66150"/>
             </a:xfrm>
             <a:prstGeom prst="ellipse">
@@ -4420,7 +4420,7 @@
           </p:nvSpPr>
           <p:spPr>
             <a:xfrm>
-              <a:off x="2103078" y="2773670"/>
+              <a:off x="2104538" y="2772747"/>
               <a:ext cx="66150" cy="66150"/>
             </a:xfrm>
             <a:prstGeom prst="ellipse">
@@ -4455,7 +4455,7 @@
           </p:nvSpPr>
           <p:spPr>
             <a:xfrm>
-              <a:off x="2460542" y="3001970"/>
+              <a:off x="2461921" y="3000892"/>
               <a:ext cx="66150" cy="66150"/>
             </a:xfrm>
             <a:prstGeom prst="ellipse">
@@ -4490,7 +4490,7 @@
           </p:nvSpPr>
           <p:spPr>
             <a:xfrm>
-              <a:off x="1367225" y="2229263"/>
+              <a:off x="1368853" y="2228708"/>
               <a:ext cx="66150" cy="66150"/>
             </a:xfrm>
             <a:prstGeom prst="ellipse">
@@ -4525,7 +4525,7 @@
           </p:nvSpPr>
           <p:spPr>
             <a:xfrm>
-              <a:off x="4256580" y="4793244"/>
+              <a:off x="4257551" y="4790956"/>
               <a:ext cx="66150" cy="66150"/>
             </a:xfrm>
             <a:prstGeom prst="ellipse">
@@ -4560,7 +4560,7 @@
           </p:nvSpPr>
           <p:spPr>
             <a:xfrm>
-              <a:off x="3559089" y="4108345"/>
+              <a:off x="3560219" y="4106520"/>
               <a:ext cx="66150" cy="66150"/>
             </a:xfrm>
             <a:prstGeom prst="ellipse">
@@ -4595,7 +4595,7 @@
           </p:nvSpPr>
           <p:spPr>
             <a:xfrm>
-              <a:off x="4954071" y="4933737"/>
+              <a:off x="4954883" y="4931353"/>
               <a:ext cx="66150" cy="66150"/>
             </a:xfrm>
             <a:prstGeom prst="ellipse">
@@ -4630,7 +4630,7 @@
           </p:nvSpPr>
           <p:spPr>
             <a:xfrm>
-              <a:off x="3576527" y="3809800"/>
+              <a:off x="3577652" y="3808176"/>
               <a:ext cx="66150" cy="66150"/>
             </a:xfrm>
             <a:prstGeom prst="ellipse">
@@ -4665,8 +4665,8 @@
           </p:nvSpPr>
           <p:spPr>
             <a:xfrm>
-              <a:off x="872373" y="5803196"/>
-              <a:ext cx="124311" cy="81691"/>
+              <a:off x="874078" y="5801719"/>
+              <a:ext cx="124311" cy="80272"/>
             </a:xfrm>
             <a:prstGeom prst="rect">
               <a:avLst/>
@@ -4695,8 +4695,8 @@
                       <a:alpha val="100000"/>
                     </a:srgbClr>
                   </a:solidFill>
-                  <a:latin typeface="Arial"/>
-                  <a:cs typeface="Arial"/>
+                  <a:latin typeface="Helvetica"/>
+                  <a:cs typeface="Helvetica"/>
                 </a:rPr>
                 <a:t>10</a:t>
               </a:r>
@@ -4711,8 +4711,8 @@
           </p:nvSpPr>
           <p:spPr>
             <a:xfrm>
-              <a:off x="872373" y="4925120"/>
-              <a:ext cx="124311" cy="81691"/>
+              <a:off x="874078" y="4924728"/>
+              <a:ext cx="124311" cy="79781"/>
             </a:xfrm>
             <a:prstGeom prst="rect">
               <a:avLst/>
@@ -4741,8 +4741,8 @@
                       <a:alpha val="100000"/>
                     </a:srgbClr>
                   </a:solidFill>
-                  <a:latin typeface="Arial"/>
-                  <a:cs typeface="Arial"/>
+                  <a:latin typeface="Helvetica"/>
+                  <a:cs typeface="Helvetica"/>
                 </a:rPr>
                 <a:t>15</a:t>
               </a:r>
@@ -4757,8 +4757,8 @@
           </p:nvSpPr>
           <p:spPr>
             <a:xfrm>
-              <a:off x="872373" y="4047044"/>
-              <a:ext cx="124311" cy="81691"/>
+              <a:off x="874078" y="4046482"/>
+              <a:ext cx="124311" cy="80545"/>
             </a:xfrm>
             <a:prstGeom prst="rect">
               <a:avLst/>
@@ -4787,8 +4787,8 @@
                       <a:alpha val="100000"/>
                     </a:srgbClr>
                   </a:solidFill>
-                  <a:latin typeface="Arial"/>
-                  <a:cs typeface="Arial"/>
+                  <a:latin typeface="Helvetica"/>
+                  <a:cs typeface="Helvetica"/>
                 </a:rPr>
                 <a:t>20</a:t>
               </a:r>
@@ -4803,8 +4803,8 @@
           </p:nvSpPr>
           <p:spPr>
             <a:xfrm>
-              <a:off x="872373" y="3168968"/>
-              <a:ext cx="124311" cy="81691"/>
+              <a:off x="874078" y="3169164"/>
+              <a:ext cx="124311" cy="80382"/>
             </a:xfrm>
             <a:prstGeom prst="rect">
               <a:avLst/>
@@ -4833,8 +4833,8 @@
                       <a:alpha val="100000"/>
                     </a:srgbClr>
                   </a:solidFill>
-                  <a:latin typeface="Arial"/>
-                  <a:cs typeface="Arial"/>
+                  <a:latin typeface="Helvetica"/>
+                  <a:cs typeface="Helvetica"/>
                 </a:rPr>
                 <a:t>25</a:t>
               </a:r>
@@ -4849,8 +4849,8 @@
           </p:nvSpPr>
           <p:spPr>
             <a:xfrm>
-              <a:off x="872373" y="2290838"/>
-              <a:ext cx="124311" cy="81746"/>
+              <a:off x="874078" y="2291682"/>
+              <a:ext cx="124311" cy="80382"/>
             </a:xfrm>
             <a:prstGeom prst="rect">
               <a:avLst/>
@@ -4879,8 +4879,8 @@
                       <a:alpha val="100000"/>
                     </a:srgbClr>
                   </a:solidFill>
-                  <a:latin typeface="Arial"/>
-                  <a:cs typeface="Arial"/>
+                  <a:latin typeface="Helvetica"/>
+                  <a:cs typeface="Helvetica"/>
                 </a:rPr>
                 <a:t>30</a:t>
               </a:r>
@@ -4895,8 +4895,8 @@
           </p:nvSpPr>
           <p:spPr>
             <a:xfrm>
-              <a:off x="872373" y="1412762"/>
-              <a:ext cx="124311" cy="81746"/>
+              <a:off x="874078" y="1414200"/>
+              <a:ext cx="124311" cy="80382"/>
             </a:xfrm>
             <a:prstGeom prst="rect">
               <a:avLst/>
@@ -4925,8 +4925,8 @@
                       <a:alpha val="100000"/>
                     </a:srgbClr>
                   </a:solidFill>
-                  <a:latin typeface="Arial"/>
-                  <a:cs typeface="Arial"/>
+                  <a:latin typeface="Helvetica"/>
+                  <a:cs typeface="Helvetica"/>
                 </a:rPr>
                 <a:t>35</a:t>
               </a:r>
@@ -4941,7 +4941,7 @@
           </p:nvSpPr>
           <p:spPr>
             <a:xfrm>
-              <a:off x="1024520" y="5844887"/>
+              <a:off x="1026225" y="5841910"/>
               <a:ext cx="34794" cy="0"/>
             </a:xfrm>
             <a:custGeom>
@@ -4981,7 +4981,7 @@
           </p:nvSpPr>
           <p:spPr>
             <a:xfrm>
-              <a:off x="1024520" y="4966812"/>
+              <a:off x="1026225" y="4964428"/>
               <a:ext cx="34794" cy="0"/>
             </a:xfrm>
             <a:custGeom>
@@ -5021,7 +5021,7 @@
           </p:nvSpPr>
           <p:spPr>
             <a:xfrm>
-              <a:off x="1024520" y="4088736"/>
+              <a:off x="1026225" y="4086946"/>
               <a:ext cx="34794" cy="0"/>
             </a:xfrm>
             <a:custGeom>
@@ -5061,7 +5061,7 @@
           </p:nvSpPr>
           <p:spPr>
             <a:xfrm>
-              <a:off x="1024520" y="3210660"/>
+              <a:off x="1026225" y="3209464"/>
               <a:ext cx="34794" cy="0"/>
             </a:xfrm>
             <a:custGeom>
@@ -5101,7 +5101,7 @@
           </p:nvSpPr>
           <p:spPr>
             <a:xfrm>
-              <a:off x="1024520" y="2332584"/>
+              <a:off x="1026225" y="2331982"/>
               <a:ext cx="34794" cy="0"/>
             </a:xfrm>
             <a:custGeom>
@@ -5141,7 +5141,7 @@
           </p:nvSpPr>
           <p:spPr>
             <a:xfrm>
-              <a:off x="1024520" y="1454509"/>
+              <a:off x="1026225" y="1454500"/>
               <a:ext cx="34794" cy="0"/>
             </a:xfrm>
             <a:custGeom>
@@ -5181,7 +5181,7 @@
           </p:nvSpPr>
           <p:spPr>
             <a:xfrm>
-              <a:off x="2249495" y="5980989"/>
+              <a:off x="2250930" y="5977919"/>
               <a:ext cx="0" cy="34794"/>
             </a:xfrm>
             <a:custGeom>
@@ -5221,7 +5221,7 @@
           </p:nvSpPr>
           <p:spPr>
             <a:xfrm>
-              <a:off x="3993221" y="5980989"/>
+              <a:off x="3994260" y="5977919"/>
               <a:ext cx="0" cy="34794"/>
             </a:xfrm>
             <a:custGeom>
@@ -5261,7 +5261,7 @@
           </p:nvSpPr>
           <p:spPr>
             <a:xfrm>
-              <a:off x="5736948" y="5980989"/>
+              <a:off x="5737590" y="5977919"/>
               <a:ext cx="0" cy="34794"/>
             </a:xfrm>
             <a:custGeom>
@@ -5301,7 +5301,7 @@
           </p:nvSpPr>
           <p:spPr>
             <a:xfrm>
-              <a:off x="7480675" y="5980989"/>
+              <a:off x="7480920" y="5977919"/>
               <a:ext cx="0" cy="34794"/>
             </a:xfrm>
             <a:custGeom>
@@ -5341,8 +5341,8 @@
           </p:nvSpPr>
           <p:spPr>
             <a:xfrm>
-              <a:off x="2218417" y="6043292"/>
-              <a:ext cx="62155" cy="80327"/>
+              <a:off x="2219852" y="6042296"/>
+              <a:ext cx="62155" cy="78417"/>
             </a:xfrm>
             <a:prstGeom prst="rect">
               <a:avLst/>
@@ -5371,8 +5371,8 @@
                       <a:alpha val="100000"/>
                     </a:srgbClr>
                   </a:solidFill>
-                  <a:latin typeface="Arial"/>
-                  <a:cs typeface="Arial"/>
+                  <a:latin typeface="Helvetica"/>
+                  <a:cs typeface="Helvetica"/>
                 </a:rPr>
                 <a:t>2</a:t>
               </a:r>
@@ -5387,8 +5387,8 @@
           </p:nvSpPr>
           <p:spPr>
             <a:xfrm>
-              <a:off x="3962144" y="6041873"/>
-              <a:ext cx="62155" cy="81746"/>
+              <a:off x="3963182" y="6040331"/>
+              <a:ext cx="62155" cy="80382"/>
             </a:xfrm>
             <a:prstGeom prst="rect">
               <a:avLst/>
@@ -5417,8 +5417,8 @@
                       <a:alpha val="100000"/>
                     </a:srgbClr>
                   </a:solidFill>
-                  <a:latin typeface="Arial"/>
-                  <a:cs typeface="Arial"/>
+                  <a:latin typeface="Helvetica"/>
+                  <a:cs typeface="Helvetica"/>
                 </a:rPr>
                 <a:t>3</a:t>
               </a:r>
@@ -5433,8 +5433,8 @@
           </p:nvSpPr>
           <p:spPr>
             <a:xfrm>
-              <a:off x="5705870" y="6043619"/>
-              <a:ext cx="62155" cy="80000"/>
+              <a:off x="5706512" y="6042350"/>
+              <a:ext cx="62155" cy="78362"/>
             </a:xfrm>
             <a:prstGeom prst="rect">
               <a:avLst/>
@@ -5463,8 +5463,8 @@
                       <a:alpha val="100000"/>
                     </a:srgbClr>
                   </a:solidFill>
-                  <a:latin typeface="Arial"/>
-                  <a:cs typeface="Arial"/>
+                  <a:latin typeface="Helvetica"/>
+                  <a:cs typeface="Helvetica"/>
                 </a:rPr>
                 <a:t>4</a:t>
               </a:r>
@@ -5479,8 +5479,8 @@
           </p:nvSpPr>
           <p:spPr>
             <a:xfrm>
-              <a:off x="7449597" y="6043346"/>
-              <a:ext cx="62155" cy="80272"/>
+              <a:off x="7449842" y="6041914"/>
+              <a:ext cx="62155" cy="78799"/>
             </a:xfrm>
             <a:prstGeom prst="rect">
               <a:avLst/>
@@ -5509,8 +5509,8 @@
                       <a:alpha val="100000"/>
                     </a:srgbClr>
                   </a:solidFill>
-                  <a:latin typeface="Arial"/>
-                  <a:cs typeface="Arial"/>
+                  <a:latin typeface="Helvetica"/>
+                  <a:cs typeface="Helvetica"/>
                 </a:rPr>
                 <a:t>5</a:t>
               </a:r>
@@ -5525,8 +5525,8 @@
           </p:nvSpPr>
           <p:spPr>
             <a:xfrm>
-              <a:off x="4740307" y="6183230"/>
-              <a:ext cx="139700" cy="98704"/>
+              <a:off x="4741160" y="6185822"/>
+              <a:ext cx="139700" cy="94611"/>
             </a:xfrm>
             <a:prstGeom prst="rect">
               <a:avLst/>
@@ -5555,8 +5555,8 @@
                       <a:alpha val="100000"/>
                     </a:srgbClr>
                   </a:solidFill>
-                  <a:latin typeface="Arial"/>
-                  <a:cs typeface="Arial"/>
+                  <a:latin typeface="Helvetica"/>
+                  <a:cs typeface="Helvetica"/>
                 </a:rPr>
                 <a:t>wt</a:t>
               </a:r>
@@ -5571,8 +5571,8 @@
           </p:nvSpPr>
           <p:spPr>
             <a:xfrm rot="-5400000">
-              <a:off x="620559" y="3659424"/>
-              <a:ext cx="271760" cy="103478"/>
+              <a:off x="619638" y="3656764"/>
+              <a:ext cx="271760" cy="105729"/>
             </a:xfrm>
             <a:prstGeom prst="rect">
               <a:avLst/>
@@ -5601,8 +5601,8 @@
                       <a:alpha val="100000"/>
                     </a:srgbClr>
                   </a:solidFill>
-                  <a:latin typeface="Arial"/>
-                  <a:cs typeface="Arial"/>
+                  <a:latin typeface="Helvetica"/>
+                  <a:cs typeface="Helvetica"/>
                 </a:rPr>
                 <a:t>mpg</a:t>
               </a:r>
@@ -5765,8 +5765,8 @@
           </p:nvSpPr>
           <p:spPr>
             <a:xfrm>
-              <a:off x="870040" y="1463188"/>
-              <a:ext cx="7650821" cy="4286167"/>
+              <a:off x="858653" y="1463188"/>
+              <a:ext cx="7662208" cy="4280586"/>
             </a:xfrm>
             <a:prstGeom prst="rect">
               <a:avLst/>
@@ -5791,21 +5791,21 @@
           </p:nvSpPr>
           <p:spPr>
             <a:xfrm>
-              <a:off x="870040" y="5069334"/>
-              <a:ext cx="7650821" cy="0"/>
+              <a:off x="858653" y="5064638"/>
+              <a:ext cx="7662208" cy="0"/>
             </a:xfrm>
             <a:custGeom>
               <a:avLst/>
               <a:pathLst>
-                <a:path w="7650821" h="0">
+                <a:path w="7662208" h="0">
                   <a:moveTo>
                     <a:pt x="0" y="0"/>
                   </a:moveTo>
                   <a:lnTo>
-                    <a:pt x="7650821" y="0"/>
+                    <a:pt x="7662208" y="0"/>
                   </a:lnTo>
                   <a:lnTo>
-                    <a:pt x="7650821" y="0"/>
+                    <a:pt x="7662208" y="0"/>
                   </a:lnTo>
                 </a:path>
               </a:pathLst>
@@ -5834,21 +5834,21 @@
           </p:nvSpPr>
           <p:spPr>
             <a:xfrm>
-              <a:off x="870040" y="4073037"/>
-              <a:ext cx="7650821" cy="0"/>
+              <a:off x="858653" y="4069639"/>
+              <a:ext cx="7662208" cy="0"/>
             </a:xfrm>
             <a:custGeom>
               <a:avLst/>
               <a:pathLst>
-                <a:path w="7650821" h="0">
+                <a:path w="7662208" h="0">
                   <a:moveTo>
                     <a:pt x="0" y="0"/>
                   </a:moveTo>
                   <a:lnTo>
-                    <a:pt x="7650821" y="0"/>
+                    <a:pt x="7662208" y="0"/>
                   </a:lnTo>
                   <a:lnTo>
-                    <a:pt x="7650821" y="0"/>
+                    <a:pt x="7662208" y="0"/>
                   </a:lnTo>
                 </a:path>
               </a:pathLst>
@@ -5877,21 +5877,21 @@
           </p:nvSpPr>
           <p:spPr>
             <a:xfrm>
-              <a:off x="870040" y="3076741"/>
-              <a:ext cx="7650821" cy="0"/>
+              <a:off x="858653" y="3074640"/>
+              <a:ext cx="7662208" cy="0"/>
             </a:xfrm>
             <a:custGeom>
               <a:avLst/>
               <a:pathLst>
-                <a:path w="7650821" h="0">
+                <a:path w="7662208" h="0">
                   <a:moveTo>
                     <a:pt x="0" y="0"/>
                   </a:moveTo>
                   <a:lnTo>
-                    <a:pt x="7650821" y="0"/>
+                    <a:pt x="7662208" y="0"/>
                   </a:lnTo>
                   <a:lnTo>
-                    <a:pt x="7650821" y="0"/>
+                    <a:pt x="7662208" y="0"/>
                   </a:lnTo>
                 </a:path>
               </a:pathLst>
@@ -5920,21 +5920,21 @@
           </p:nvSpPr>
           <p:spPr>
             <a:xfrm>
-              <a:off x="870040" y="2080444"/>
-              <a:ext cx="7650821" cy="0"/>
+              <a:off x="858653" y="2079640"/>
+              <a:ext cx="7662208" cy="0"/>
             </a:xfrm>
             <a:custGeom>
               <a:avLst/>
               <a:pathLst>
-                <a:path w="7650821" h="0">
+                <a:path w="7662208" h="0">
                   <a:moveTo>
                     <a:pt x="0" y="0"/>
                   </a:moveTo>
                   <a:lnTo>
-                    <a:pt x="7650821" y="0"/>
+                    <a:pt x="7662208" y="0"/>
                   </a:lnTo>
                   <a:lnTo>
-                    <a:pt x="7650821" y="0"/>
+                    <a:pt x="7662208" y="0"/>
                   </a:lnTo>
                 </a:path>
               </a:pathLst>
@@ -5963,7 +5963,7 @@
           </p:nvSpPr>
           <p:spPr>
             <a:xfrm>
-              <a:off x="4322011" y="4418555"/>
+              <a:off x="4315810" y="4414663"/>
               <a:ext cx="66150" cy="66150"/>
             </a:xfrm>
             <a:prstGeom prst="ellipse">
@@ -5998,7 +5998,7 @@
           </p:nvSpPr>
           <p:spPr>
             <a:xfrm>
-              <a:off x="4322011" y="4164499"/>
+              <a:off x="4315810" y="4160939"/>
               <a:ext cx="66150" cy="66150"/>
             </a:xfrm>
             <a:prstGeom prst="ellipse">
@@ -6033,7 +6033,7 @@
           </p:nvSpPr>
           <p:spPr>
             <a:xfrm>
-              <a:off x="4854756" y="4717444"/>
+              <a:off x="4849349" y="4713163"/>
               <a:ext cx="66150" cy="66150"/>
             </a:xfrm>
             <a:prstGeom prst="ellipse">
@@ -6068,7 +6068,7 @@
           </p:nvSpPr>
           <p:spPr>
             <a:xfrm>
-              <a:off x="4440399" y="3825758"/>
+              <a:off x="4434375" y="3822639"/>
               <a:ext cx="66150" cy="66150"/>
             </a:xfrm>
             <a:prstGeom prst="ellipse">
@@ -6103,7 +6103,7 @@
           </p:nvSpPr>
           <p:spPr>
             <a:xfrm>
-              <a:off x="3641280" y="3601592"/>
+              <a:off x="3634066" y="3598764"/>
               <a:ext cx="66150" cy="66150"/>
             </a:xfrm>
             <a:prstGeom prst="ellipse">
@@ -6138,7 +6138,7 @@
           </p:nvSpPr>
           <p:spPr>
             <a:xfrm>
-              <a:off x="3463698" y="3581666"/>
+              <a:off x="3456220" y="3578864"/>
               <a:ext cx="66150" cy="66150"/>
             </a:xfrm>
             <a:prstGeom prst="ellipse">
@@ -6173,7 +6173,7 @@
           </p:nvSpPr>
           <p:spPr>
             <a:xfrm>
-              <a:off x="2339012" y="3472073"/>
+              <a:off x="2329861" y="3469414"/>
               <a:ext cx="66150" cy="66150"/>
             </a:xfrm>
             <a:prstGeom prst="ellipse">
@@ -6208,7 +6208,7 @@
           </p:nvSpPr>
           <p:spPr>
             <a:xfrm>
-              <a:off x="5328308" y="3850666"/>
+              <a:off x="5323606" y="3847514"/>
               <a:ext cx="66150" cy="66150"/>
             </a:xfrm>
             <a:prstGeom prst="ellipse">
@@ -6243,7 +6243,7 @@
           </p:nvSpPr>
           <p:spPr>
             <a:xfrm>
-              <a:off x="4854756" y="3890518"/>
+              <a:off x="4849349" y="3887314"/>
               <a:ext cx="66150" cy="66150"/>
             </a:xfrm>
             <a:prstGeom prst="ellipse">
@@ -6278,7 +6278,7 @@
           </p:nvSpPr>
           <p:spPr>
             <a:xfrm>
-              <a:off x="3789265" y="3601592"/>
+              <a:off x="3782272" y="3598764"/>
               <a:ext cx="66150" cy="66150"/>
             </a:xfrm>
             <a:prstGeom prst="ellipse">
@@ -6313,7 +6313,7 @@
           </p:nvSpPr>
           <p:spPr>
             <a:xfrm>
-              <a:off x="3374907" y="3601592"/>
+              <a:off x="3367297" y="3598764"/>
               <a:ext cx="66150" cy="66150"/>
             </a:xfrm>
             <a:prstGeom prst="ellipse">
@@ -6348,7 +6348,7 @@
           </p:nvSpPr>
           <p:spPr>
             <a:xfrm>
-              <a:off x="2960549" y="2973925"/>
+              <a:off x="2952323" y="2971915"/>
               <a:ext cx="66150" cy="66150"/>
             </a:xfrm>
             <a:prstGeom prst="ellipse">
@@ -6383,7 +6383,7 @@
           </p:nvSpPr>
           <p:spPr>
             <a:xfrm>
-              <a:off x="3226922" y="3312666"/>
+              <a:off x="3219092" y="3310214"/>
               <a:ext cx="66150" cy="66150"/>
             </a:xfrm>
             <a:prstGeom prst="ellipse">
@@ -6418,7 +6418,7 @@
           </p:nvSpPr>
           <p:spPr>
             <a:xfrm>
-              <a:off x="2605385" y="3262851"/>
+              <a:off x="2596630" y="3260464"/>
               <a:ext cx="66150" cy="66150"/>
             </a:xfrm>
             <a:prstGeom prst="ellipse">
@@ -6453,7 +6453,7 @@
           </p:nvSpPr>
           <p:spPr>
             <a:xfrm>
-              <a:off x="1184730" y="1798295"/>
+              <a:off x="1173860" y="1797815"/>
               <a:ext cx="66150" cy="66150"/>
             </a:xfrm>
             <a:prstGeom prst="ellipse">
@@ -6488,7 +6488,7 @@
           </p:nvSpPr>
           <p:spPr>
             <a:xfrm>
-              <a:off x="1184730" y="1624939"/>
+              <a:off x="1173860" y="1624686"/>
               <a:ext cx="66150" cy="66150"/>
             </a:xfrm>
             <a:prstGeom prst="ellipse">
@@ -6523,7 +6523,7 @@
           </p:nvSpPr>
           <p:spPr>
             <a:xfrm>
-              <a:off x="2457400" y="1703647"/>
+              <a:off x="2448425" y="1703291"/>
               <a:ext cx="66150" cy="66150"/>
             </a:xfrm>
             <a:prstGeom prst="ellipse">
@@ -6558,7 +6558,7 @@
           </p:nvSpPr>
           <p:spPr>
             <a:xfrm>
-              <a:off x="7696067" y="4836999"/>
+              <a:off x="7694889" y="4832563"/>
               <a:ext cx="66150" cy="66150"/>
             </a:xfrm>
             <a:prstGeom prst="ellipse">
@@ -6593,7 +6593,7 @@
           </p:nvSpPr>
           <p:spPr>
             <a:xfrm>
-              <a:off x="7104127" y="5419833"/>
+              <a:off x="7102068" y="5414638"/>
               <a:ext cx="66150" cy="66150"/>
             </a:xfrm>
             <a:prstGeom prst="ellipse">
@@ -6628,7 +6628,7 @@
           </p:nvSpPr>
           <p:spPr>
             <a:xfrm>
-              <a:off x="8140022" y="5200648"/>
+              <a:off x="8139504" y="5195738"/>
               <a:ext cx="66150" cy="66150"/>
             </a:xfrm>
             <a:prstGeom prst="ellipse">
@@ -6663,7 +6663,7 @@
           </p:nvSpPr>
           <p:spPr>
             <a:xfrm>
-              <a:off x="4469996" y="4572981"/>
+              <a:off x="4464016" y="4568888"/>
               <a:ext cx="66150" cy="66150"/>
             </a:xfrm>
             <a:prstGeom prst="ellipse">
@@ -6698,7 +6698,7 @@
           </p:nvSpPr>
           <p:spPr>
             <a:xfrm>
-              <a:off x="2694176" y="3521888"/>
+              <a:off x="2685553" y="3519164"/>
               <a:ext cx="66150" cy="66150"/>
             </a:xfrm>
             <a:prstGeom prst="ellipse">
@@ -6733,7 +6733,7 @@
           </p:nvSpPr>
           <p:spPr>
             <a:xfrm>
-              <a:off x="2605385" y="3606573"/>
+              <a:off x="2596630" y="3603739"/>
               <a:ext cx="66150" cy="66150"/>
             </a:xfrm>
             <a:prstGeom prst="ellipse">
@@ -6768,7 +6768,7 @@
           </p:nvSpPr>
           <p:spPr>
             <a:xfrm>
-              <a:off x="2043043" y="3203073"/>
+              <a:off x="2033450" y="3200764"/>
               <a:ext cx="66150" cy="66150"/>
             </a:xfrm>
             <a:prstGeom prst="ellipse">
@@ -6803,7 +6803,7 @@
           </p:nvSpPr>
           <p:spPr>
             <a:xfrm>
-              <a:off x="3789265" y="3198091"/>
+              <a:off x="3782272" y="3195789"/>
               <a:ext cx="66150" cy="66150"/>
             </a:xfrm>
             <a:prstGeom prst="ellipse">
@@ -6838,7 +6838,7 @@
           </p:nvSpPr>
           <p:spPr>
             <a:xfrm>
-              <a:off x="6186621" y="5101018"/>
+              <a:off x="6183196" y="5096238"/>
               <a:ext cx="66150" cy="66150"/>
             </a:xfrm>
             <a:prstGeom prst="ellipse">
@@ -6873,7 +6873,7 @@
           </p:nvSpPr>
           <p:spPr>
             <a:xfrm>
-              <a:off x="5801860" y="4896777"/>
+              <a:off x="5797862" y="4892263"/>
               <a:ext cx="66150" cy="66150"/>
             </a:xfrm>
             <a:prstGeom prst="ellipse">
@@ -6908,7 +6908,7 @@
           </p:nvSpPr>
           <p:spPr>
             <a:xfrm>
-              <a:off x="7104127" y="5521455"/>
+              <a:off x="7102068" y="5516128"/>
               <a:ext cx="66150" cy="66150"/>
             </a:xfrm>
             <a:prstGeom prst="ellipse">
@@ -6943,7 +6943,7 @@
           </p:nvSpPr>
           <p:spPr>
             <a:xfrm>
-              <a:off x="2782967" y="3870592"/>
+              <a:off x="2774476" y="3867414"/>
               <a:ext cx="66150" cy="66150"/>
             </a:xfrm>
             <a:prstGeom prst="ellipse">
@@ -6978,7 +6978,7 @@
           </p:nvSpPr>
           <p:spPr>
             <a:xfrm>
-              <a:off x="3937250" y="4269110"/>
+              <a:off x="3930477" y="4265414"/>
               <a:ext cx="66150" cy="66150"/>
             </a:xfrm>
             <a:prstGeom prst="ellipse">
@@ -7013,7 +7013,7 @@
           </p:nvSpPr>
           <p:spPr>
             <a:xfrm>
-              <a:off x="2546191" y="3472073"/>
+              <a:off x="2537348" y="3469414"/>
               <a:ext cx="66150" cy="66150"/>
             </a:xfrm>
             <a:prstGeom prst="ellipse">
@@ -7048,7 +7048,7 @@
           </p:nvSpPr>
           <p:spPr>
             <a:xfrm>
-              <a:off x="4440399" y="4259147"/>
+              <a:off x="4434375" y="4255464"/>
               <a:ext cx="66150" cy="66150"/>
             </a:xfrm>
             <a:prstGeom prst="ellipse">
@@ -7083,8 +7083,8 @@
           </p:nvSpPr>
           <p:spPr>
             <a:xfrm>
-              <a:off x="640418" y="4986846"/>
-              <a:ext cx="127136" cy="164306"/>
+              <a:off x="640418" y="4986224"/>
+              <a:ext cx="127136" cy="160399"/>
             </a:xfrm>
             <a:prstGeom prst="rect">
               <a:avLst/>
@@ -7113,8 +7113,8 @@
                       <a:alpha val="100000"/>
                     </a:srgbClr>
                   </a:solidFill>
-                  <a:latin typeface="Arial"/>
-                  <a:cs typeface="Arial"/>
+                  <a:latin typeface="Helvetica"/>
+                  <a:cs typeface="Helvetica"/>
                 </a:rPr>
                 <a:t>2</a:t>
               </a:r>
@@ -7129,8 +7129,8 @@
           </p:nvSpPr>
           <p:spPr>
             <a:xfrm>
-              <a:off x="640418" y="3987647"/>
-              <a:ext cx="127136" cy="167208"/>
+              <a:off x="640418" y="3987207"/>
+              <a:ext cx="127136" cy="164417"/>
             </a:xfrm>
             <a:prstGeom prst="rect">
               <a:avLst/>
@@ -7159,8 +7159,8 @@
                       <a:alpha val="100000"/>
                     </a:srgbClr>
                   </a:solidFill>
-                  <a:latin typeface="Arial"/>
-                  <a:cs typeface="Arial"/>
+                  <a:latin typeface="Helvetica"/>
+                  <a:cs typeface="Helvetica"/>
                 </a:rPr>
                 <a:t>3</a:t>
               </a:r>
@@ -7175,8 +7175,8 @@
           </p:nvSpPr>
           <p:spPr>
             <a:xfrm>
-              <a:off x="640418" y="2994922"/>
-              <a:ext cx="127136" cy="163636"/>
+              <a:off x="640418" y="2996337"/>
+              <a:ext cx="127136" cy="160287"/>
             </a:xfrm>
             <a:prstGeom prst="rect">
               <a:avLst/>
@@ -7205,8 +7205,8 @@
                       <a:alpha val="100000"/>
                     </a:srgbClr>
                   </a:solidFill>
-                  <a:latin typeface="Arial"/>
-                  <a:cs typeface="Arial"/>
+                  <a:latin typeface="Helvetica"/>
+                  <a:cs typeface="Helvetica"/>
                 </a:rPr>
                 <a:t>4</a:t>
               </a:r>
@@ -7221,8 +7221,8 @@
           </p:nvSpPr>
           <p:spPr>
             <a:xfrm>
-              <a:off x="640418" y="1998068"/>
-              <a:ext cx="127136" cy="164194"/>
+              <a:off x="640418" y="2000445"/>
+              <a:ext cx="127136" cy="161180"/>
             </a:xfrm>
             <a:prstGeom prst="rect">
               <a:avLst/>
@@ -7251,8 +7251,8 @@
                       <a:alpha val="100000"/>
                     </a:srgbClr>
                   </a:solidFill>
-                  <a:latin typeface="Arial"/>
-                  <a:cs typeface="Arial"/>
+                  <a:latin typeface="Helvetica"/>
+                  <a:cs typeface="Helvetica"/>
                 </a:rPr>
                 <a:t>5</a:t>
               </a:r>
@@ -7267,18 +7267,18 @@
           </p:nvSpPr>
           <p:spPr>
             <a:xfrm>
-              <a:off x="870040" y="5749356"/>
-              <a:ext cx="7650821" cy="0"/>
+              <a:off x="858653" y="5743775"/>
+              <a:ext cx="7662208" cy="0"/>
             </a:xfrm>
             <a:custGeom>
               <a:avLst/>
               <a:pathLst>
-                <a:path w="7650821" h="0">
+                <a:path w="7662208" h="0">
                   <a:moveTo>
                     <a:pt x="0" y="0"/>
                   </a:moveTo>
                   <a:lnTo>
-                    <a:pt x="7650821" y="0"/>
+                    <a:pt x="7662208" y="0"/>
                   </a:lnTo>
                 </a:path>
               </a:pathLst>
@@ -7307,7 +7307,7 @@
           </p:nvSpPr>
           <p:spPr>
             <a:xfrm>
-              <a:off x="1099417" y="5749356"/>
+              <a:off x="1088371" y="5743775"/>
               <a:ext cx="0" cy="56936"/>
             </a:xfrm>
             <a:custGeom>
@@ -7347,7 +7347,7 @@
           </p:nvSpPr>
           <p:spPr>
             <a:xfrm>
-              <a:off x="2579266" y="5749356"/>
+              <a:off x="2570423" y="5743775"/>
               <a:ext cx="0" cy="56936"/>
             </a:xfrm>
             <a:custGeom>
@@ -7387,7 +7387,7 @@
           </p:nvSpPr>
           <p:spPr>
             <a:xfrm>
-              <a:off x="4059116" y="5749356"/>
+              <a:off x="4052475" y="5743775"/>
               <a:ext cx="0" cy="56936"/>
             </a:xfrm>
             <a:custGeom>
@@ -7427,7 +7427,7 @@
           </p:nvSpPr>
           <p:spPr>
             <a:xfrm>
-              <a:off x="5538965" y="5749356"/>
+              <a:off x="5534527" y="5743775"/>
               <a:ext cx="0" cy="56936"/>
             </a:xfrm>
             <a:custGeom>
@@ -7467,7 +7467,7 @@
           </p:nvSpPr>
           <p:spPr>
             <a:xfrm>
-              <a:off x="7018814" y="5749356"/>
+              <a:off x="7016579" y="5743775"/>
               <a:ext cx="0" cy="56936"/>
             </a:xfrm>
             <a:custGeom>
@@ -7507,7 +7507,7 @@
           </p:nvSpPr>
           <p:spPr>
             <a:xfrm>
-              <a:off x="8498664" y="5749356"/>
+              <a:off x="8498631" y="5743775"/>
               <a:ext cx="0" cy="56936"/>
             </a:xfrm>
             <a:custGeom>
@@ -7547,8 +7547,8 @@
           </p:nvSpPr>
           <p:spPr>
             <a:xfrm>
-              <a:off x="972281" y="5878747"/>
-              <a:ext cx="254272" cy="167096"/>
+              <a:off x="961235" y="5876403"/>
+              <a:ext cx="254272" cy="164194"/>
             </a:xfrm>
             <a:prstGeom prst="rect">
               <a:avLst/>
@@ -7577,8 +7577,8 @@
                       <a:alpha val="100000"/>
                     </a:srgbClr>
                   </a:solidFill>
-                  <a:latin typeface="Arial"/>
-                  <a:cs typeface="Arial"/>
+                  <a:latin typeface="Helvetica"/>
+                  <a:cs typeface="Helvetica"/>
                 </a:rPr>
                 <a:t>10</a:t>
               </a:r>
@@ -7593,8 +7593,8 @@
           </p:nvSpPr>
           <p:spPr>
             <a:xfrm>
-              <a:off x="2452130" y="5878747"/>
-              <a:ext cx="254272" cy="167096"/>
+              <a:off x="2443287" y="5877408"/>
+              <a:ext cx="254272" cy="163190"/>
             </a:xfrm>
             <a:prstGeom prst="rect">
               <a:avLst/>
@@ -7623,8 +7623,8 @@
                       <a:alpha val="100000"/>
                     </a:srgbClr>
                   </a:solidFill>
-                  <a:latin typeface="Arial"/>
-                  <a:cs typeface="Arial"/>
+                  <a:latin typeface="Helvetica"/>
+                  <a:cs typeface="Helvetica"/>
                 </a:rPr>
                 <a:t>15</a:t>
               </a:r>
@@ -7639,8 +7639,8 @@
           </p:nvSpPr>
           <p:spPr>
             <a:xfrm>
-              <a:off x="3931979" y="5878747"/>
-              <a:ext cx="254272" cy="167096"/>
+              <a:off x="3925339" y="5875845"/>
+              <a:ext cx="254272" cy="164752"/>
             </a:xfrm>
             <a:prstGeom prst="rect">
               <a:avLst/>
@@ -7669,8 +7669,8 @@
                       <a:alpha val="100000"/>
                     </a:srgbClr>
                   </a:solidFill>
-                  <a:latin typeface="Arial"/>
-                  <a:cs typeface="Arial"/>
+                  <a:latin typeface="Helvetica"/>
+                  <a:cs typeface="Helvetica"/>
                 </a:rPr>
                 <a:t>20</a:t>
               </a:r>
@@ -7685,8 +7685,8 @@
           </p:nvSpPr>
           <p:spPr>
             <a:xfrm>
-              <a:off x="5411829" y="5878747"/>
-              <a:ext cx="254272" cy="167096"/>
+              <a:off x="5407390" y="5876180"/>
+              <a:ext cx="254272" cy="164417"/>
             </a:xfrm>
             <a:prstGeom prst="rect">
               <a:avLst/>
@@ -7715,8 +7715,8 @@
                       <a:alpha val="100000"/>
                     </a:srgbClr>
                   </a:solidFill>
-                  <a:latin typeface="Arial"/>
-                  <a:cs typeface="Arial"/>
+                  <a:latin typeface="Helvetica"/>
+                  <a:cs typeface="Helvetica"/>
                 </a:rPr>
                 <a:t>25</a:t>
               </a:r>
@@ -7731,8 +7731,8 @@
           </p:nvSpPr>
           <p:spPr>
             <a:xfrm>
-              <a:off x="6891678" y="5878636"/>
-              <a:ext cx="254272" cy="167208"/>
+              <a:off x="6889442" y="5876180"/>
+              <a:ext cx="254272" cy="164417"/>
             </a:xfrm>
             <a:prstGeom prst="rect">
               <a:avLst/>
@@ -7761,8 +7761,8 @@
                       <a:alpha val="100000"/>
                     </a:srgbClr>
                   </a:solidFill>
-                  <a:latin typeface="Arial"/>
-                  <a:cs typeface="Arial"/>
+                  <a:latin typeface="Helvetica"/>
+                  <a:cs typeface="Helvetica"/>
                 </a:rPr>
                 <a:t>30</a:t>
               </a:r>
@@ -7777,8 +7777,8 @@
           </p:nvSpPr>
           <p:spPr>
             <a:xfrm>
-              <a:off x="8371527" y="5878636"/>
-              <a:ext cx="254272" cy="167208"/>
+              <a:off x="8371494" y="5876180"/>
+              <a:ext cx="254272" cy="164417"/>
             </a:xfrm>
             <a:prstGeom prst="rect">
               <a:avLst/>
@@ -7807,8 +7807,8 @@
                       <a:alpha val="100000"/>
                     </a:srgbClr>
                   </a:solidFill>
-                  <a:latin typeface="Arial"/>
-                  <a:cs typeface="Arial"/>
+                  <a:latin typeface="Helvetica"/>
+                  <a:cs typeface="Helvetica"/>
                 </a:rPr>
                 <a:t>35</a:t>
               </a:r>
@@ -7823,8 +7823,8 @@
           </p:nvSpPr>
           <p:spPr>
             <a:xfrm>
-              <a:off x="4473102" y="6145197"/>
-              <a:ext cx="444698" cy="169329"/>
+              <a:off x="4467408" y="6139057"/>
+              <a:ext cx="444698" cy="173012"/>
             </a:xfrm>
             <a:prstGeom prst="rect">
               <a:avLst/>
@@ -7853,8 +7853,8 @@
                       <a:alpha val="100000"/>
                     </a:srgbClr>
                   </a:solidFill>
-                  <a:latin typeface="Arial"/>
-                  <a:cs typeface="Arial"/>
+                  <a:latin typeface="Helvetica"/>
+                  <a:cs typeface="Helvetica"/>
                 </a:rPr>
                 <a:t>mpg</a:t>
               </a:r>

--- a/tests/testthat/multi_slide_fullslide_43.pptx
+++ b/tests/testthat/multi_slide_fullslide_43.pptx
@@ -5765,8 +5765,8 @@
           </p:nvSpPr>
           <p:spPr>
             <a:xfrm>
-              <a:off x="858653" y="1463188"/>
-              <a:ext cx="7662208" cy="4280586"/>
+              <a:off x="843470" y="1463188"/>
+              <a:ext cx="7677391" cy="4280586"/>
             </a:xfrm>
             <a:prstGeom prst="rect">
               <a:avLst/>
@@ -5791,21 +5791,21 @@
           </p:nvSpPr>
           <p:spPr>
             <a:xfrm>
-              <a:off x="858653" y="5064638"/>
-              <a:ext cx="7662208" cy="0"/>
+              <a:off x="843470" y="5064638"/>
+              <a:ext cx="7677391" cy="0"/>
             </a:xfrm>
             <a:custGeom>
               <a:avLst/>
               <a:pathLst>
-                <a:path w="7662208" h="0">
+                <a:path w="7677391" h="0">
                   <a:moveTo>
                     <a:pt x="0" y="0"/>
                   </a:moveTo>
                   <a:lnTo>
-                    <a:pt x="7662208" y="0"/>
+                    <a:pt x="7677391" y="0"/>
                   </a:lnTo>
                   <a:lnTo>
-                    <a:pt x="7662208" y="0"/>
+                    <a:pt x="7677391" y="0"/>
                   </a:lnTo>
                 </a:path>
               </a:pathLst>
@@ -5834,21 +5834,21 @@
           </p:nvSpPr>
           <p:spPr>
             <a:xfrm>
-              <a:off x="858653" y="4069639"/>
-              <a:ext cx="7662208" cy="0"/>
+              <a:off x="843470" y="4069639"/>
+              <a:ext cx="7677391" cy="0"/>
             </a:xfrm>
             <a:custGeom>
               <a:avLst/>
               <a:pathLst>
-                <a:path w="7662208" h="0">
+                <a:path w="7677391" h="0">
                   <a:moveTo>
                     <a:pt x="0" y="0"/>
                   </a:moveTo>
                   <a:lnTo>
-                    <a:pt x="7662208" y="0"/>
+                    <a:pt x="7677391" y="0"/>
                   </a:lnTo>
                   <a:lnTo>
-                    <a:pt x="7662208" y="0"/>
+                    <a:pt x="7677391" y="0"/>
                   </a:lnTo>
                 </a:path>
               </a:pathLst>
@@ -5877,21 +5877,21 @@
           </p:nvSpPr>
           <p:spPr>
             <a:xfrm>
-              <a:off x="858653" y="3074640"/>
-              <a:ext cx="7662208" cy="0"/>
+              <a:off x="843470" y="3074640"/>
+              <a:ext cx="7677391" cy="0"/>
             </a:xfrm>
             <a:custGeom>
               <a:avLst/>
               <a:pathLst>
-                <a:path w="7662208" h="0">
+                <a:path w="7677391" h="0">
                   <a:moveTo>
                     <a:pt x="0" y="0"/>
                   </a:moveTo>
                   <a:lnTo>
-                    <a:pt x="7662208" y="0"/>
+                    <a:pt x="7677391" y="0"/>
                   </a:lnTo>
                   <a:lnTo>
-                    <a:pt x="7662208" y="0"/>
+                    <a:pt x="7677391" y="0"/>
                   </a:lnTo>
                 </a:path>
               </a:pathLst>
@@ -5920,21 +5920,21 @@
           </p:nvSpPr>
           <p:spPr>
             <a:xfrm>
-              <a:off x="858653" y="2079640"/>
-              <a:ext cx="7662208" cy="0"/>
+              <a:off x="843470" y="2079640"/>
+              <a:ext cx="7677391" cy="0"/>
             </a:xfrm>
             <a:custGeom>
               <a:avLst/>
               <a:pathLst>
-                <a:path w="7662208" h="0">
+                <a:path w="7677391" h="0">
                   <a:moveTo>
                     <a:pt x="0" y="0"/>
                   </a:moveTo>
                   <a:lnTo>
-                    <a:pt x="7662208" y="0"/>
+                    <a:pt x="7677391" y="0"/>
                   </a:lnTo>
                   <a:lnTo>
-                    <a:pt x="7662208" y="0"/>
+                    <a:pt x="7677391" y="0"/>
                   </a:lnTo>
                 </a:path>
               </a:pathLst>
@@ -5963,7 +5963,7 @@
           </p:nvSpPr>
           <p:spPr>
             <a:xfrm>
-              <a:off x="4315810" y="4414663"/>
+              <a:off x="4307543" y="4414663"/>
               <a:ext cx="66150" cy="66150"/>
             </a:xfrm>
             <a:prstGeom prst="ellipse">
@@ -5998,7 +5998,7 @@
           </p:nvSpPr>
           <p:spPr>
             <a:xfrm>
-              <a:off x="4315810" y="4160939"/>
+              <a:off x="4307543" y="4160939"/>
               <a:ext cx="66150" cy="66150"/>
             </a:xfrm>
             <a:prstGeom prst="ellipse">
@@ -6033,7 +6033,7 @@
           </p:nvSpPr>
           <p:spPr>
             <a:xfrm>
-              <a:off x="4849349" y="4713163"/>
+              <a:off x="4842139" y="4713163"/>
               <a:ext cx="66150" cy="66150"/>
             </a:xfrm>
             <a:prstGeom prst="ellipse">
@@ -6068,7 +6068,7 @@
           </p:nvSpPr>
           <p:spPr>
             <a:xfrm>
-              <a:off x="4434375" y="3822639"/>
+              <a:off x="4426342" y="3822639"/>
               <a:ext cx="66150" cy="66150"/>
             </a:xfrm>
             <a:prstGeom prst="ellipse">
@@ -6103,7 +6103,7 @@
           </p:nvSpPr>
           <p:spPr>
             <a:xfrm>
-              <a:off x="3634066" y="3598764"/>
+              <a:off x="3624449" y="3598764"/>
               <a:ext cx="66150" cy="66150"/>
             </a:xfrm>
             <a:prstGeom prst="ellipse">
@@ -6138,7 +6138,7 @@
           </p:nvSpPr>
           <p:spPr>
             <a:xfrm>
-              <a:off x="3456220" y="3578864"/>
+              <a:off x="3446250" y="3578864"/>
               <a:ext cx="66150" cy="66150"/>
             </a:xfrm>
             <a:prstGeom prst="ellipse">
@@ -6173,7 +6173,7 @@
           </p:nvSpPr>
           <p:spPr>
             <a:xfrm>
-              <a:off x="2329861" y="3469414"/>
+              <a:off x="2317659" y="3469414"/>
               <a:ext cx="66150" cy="66150"/>
             </a:xfrm>
             <a:prstGeom prst="ellipse">
@@ -6208,7 +6208,7 @@
           </p:nvSpPr>
           <p:spPr>
             <a:xfrm>
-              <a:off x="5323606" y="3847514"/>
+              <a:off x="5317336" y="3847514"/>
               <a:ext cx="66150" cy="66150"/>
             </a:xfrm>
             <a:prstGeom prst="ellipse">
@@ -6243,7 +6243,7 @@
           </p:nvSpPr>
           <p:spPr>
             <a:xfrm>
-              <a:off x="4849349" y="3887314"/>
+              <a:off x="4842139" y="3887314"/>
               <a:ext cx="66150" cy="66150"/>
             </a:xfrm>
             <a:prstGeom prst="ellipse">
@@ -6278,7 +6278,7 @@
           </p:nvSpPr>
           <p:spPr>
             <a:xfrm>
-              <a:off x="3782272" y="3598764"/>
+              <a:off x="3772947" y="3598764"/>
               <a:ext cx="66150" cy="66150"/>
             </a:xfrm>
             <a:prstGeom prst="ellipse">
@@ -6313,7 +6313,7 @@
           </p:nvSpPr>
           <p:spPr>
             <a:xfrm>
-              <a:off x="3367297" y="3598764"/>
+              <a:off x="3357151" y="3598764"/>
               <a:ext cx="66150" cy="66150"/>
             </a:xfrm>
             <a:prstGeom prst="ellipse">
@@ -6348,7 +6348,7 @@
           </p:nvSpPr>
           <p:spPr>
             <a:xfrm>
-              <a:off x="2952323" y="2971915"/>
+              <a:off x="2941354" y="2971915"/>
               <a:ext cx="66150" cy="66150"/>
             </a:xfrm>
             <a:prstGeom prst="ellipse">
@@ -6383,7 +6383,7 @@
           </p:nvSpPr>
           <p:spPr>
             <a:xfrm>
-              <a:off x="3219092" y="3310214"/>
+              <a:off x="3208652" y="3310214"/>
               <a:ext cx="66150" cy="66150"/>
             </a:xfrm>
             <a:prstGeom prst="ellipse">
@@ -6418,7 +6418,7 @@
           </p:nvSpPr>
           <p:spPr>
             <a:xfrm>
-              <a:off x="2596630" y="3260464"/>
+              <a:off x="2584957" y="3260464"/>
               <a:ext cx="66150" cy="66150"/>
             </a:xfrm>
             <a:prstGeom prst="ellipse">
@@ -6453,7 +6453,7 @@
           </p:nvSpPr>
           <p:spPr>
             <a:xfrm>
-              <a:off x="1173860" y="1797815"/>
+              <a:off x="1159367" y="1797815"/>
               <a:ext cx="66150" cy="66150"/>
             </a:xfrm>
             <a:prstGeom prst="ellipse">
@@ -6488,7 +6488,7 @@
           </p:nvSpPr>
           <p:spPr>
             <a:xfrm>
-              <a:off x="1173860" y="1624686"/>
+              <a:off x="1159367" y="1624686"/>
               <a:ext cx="66150" cy="66150"/>
             </a:xfrm>
             <a:prstGeom prst="ellipse">
@@ -6523,7 +6523,7 @@
           </p:nvSpPr>
           <p:spPr>
             <a:xfrm>
-              <a:off x="2448425" y="1703291"/>
+              <a:off x="2436458" y="1703291"/>
               <a:ext cx="66150" cy="66150"/>
             </a:xfrm>
             <a:prstGeom prst="ellipse">
@@ -6558,7 +6558,7 @@
           </p:nvSpPr>
           <p:spPr>
             <a:xfrm>
-              <a:off x="7694889" y="4832563"/>
+              <a:off x="7693318" y="4832563"/>
               <a:ext cx="66150" cy="66150"/>
             </a:xfrm>
             <a:prstGeom prst="ellipse">
@@ -6593,7 +6593,7 @@
           </p:nvSpPr>
           <p:spPr>
             <a:xfrm>
-              <a:off x="7102068" y="5414638"/>
+              <a:off x="7099322" y="5414638"/>
               <a:ext cx="66150" cy="66150"/>
             </a:xfrm>
             <a:prstGeom prst="ellipse">
@@ -6628,7 +6628,7 @@
           </p:nvSpPr>
           <p:spPr>
             <a:xfrm>
-              <a:off x="8139504" y="5195738"/>
+              <a:off x="8138814" y="5195738"/>
               <a:ext cx="66150" cy="66150"/>
             </a:xfrm>
             <a:prstGeom prst="ellipse">
@@ -6663,7 +6663,7 @@
           </p:nvSpPr>
           <p:spPr>
             <a:xfrm>
-              <a:off x="4464016" y="4568888"/>
+              <a:off x="4456042" y="4568888"/>
               <a:ext cx="66150" cy="66150"/>
             </a:xfrm>
             <a:prstGeom prst="ellipse">
@@ -6698,7 +6698,7 @@
           </p:nvSpPr>
           <p:spPr>
             <a:xfrm>
-              <a:off x="2685553" y="3519164"/>
+              <a:off x="2674056" y="3519164"/>
               <a:ext cx="66150" cy="66150"/>
             </a:xfrm>
             <a:prstGeom prst="ellipse">
@@ -6733,7 +6733,7 @@
           </p:nvSpPr>
           <p:spPr>
             <a:xfrm>
-              <a:off x="2596630" y="3603739"/>
+              <a:off x="2584957" y="3603739"/>
               <a:ext cx="66150" cy="66150"/>
             </a:xfrm>
             <a:prstGeom prst="ellipse">
@@ -6768,7 +6768,7 @@
           </p:nvSpPr>
           <p:spPr>
             <a:xfrm>
-              <a:off x="2033450" y="3200764"/>
+              <a:off x="2020661" y="3200764"/>
               <a:ext cx="66150" cy="66150"/>
             </a:xfrm>
             <a:prstGeom prst="ellipse">
@@ -6803,7 +6803,7 @@
           </p:nvSpPr>
           <p:spPr>
             <a:xfrm>
-              <a:off x="3782272" y="3195789"/>
+              <a:off x="3772947" y="3195789"/>
               <a:ext cx="66150" cy="66150"/>
             </a:xfrm>
             <a:prstGeom prst="ellipse">
@@ -6838,7 +6838,7 @@
           </p:nvSpPr>
           <p:spPr>
             <a:xfrm>
-              <a:off x="6183196" y="5096238"/>
+              <a:off x="6178629" y="5096238"/>
               <a:ext cx="66150" cy="66150"/>
             </a:xfrm>
             <a:prstGeom prst="ellipse">
@@ -6873,7 +6873,7 @@
           </p:nvSpPr>
           <p:spPr>
             <a:xfrm>
-              <a:off x="5797862" y="4892263"/>
+              <a:off x="5792532" y="4892263"/>
               <a:ext cx="66150" cy="66150"/>
             </a:xfrm>
             <a:prstGeom prst="ellipse">
@@ -6908,7 +6908,7 @@
           </p:nvSpPr>
           <p:spPr>
             <a:xfrm>
-              <a:off x="7102068" y="5516128"/>
+              <a:off x="7099322" y="5516128"/>
               <a:ext cx="66150" cy="66150"/>
             </a:xfrm>
             <a:prstGeom prst="ellipse">
@@ -6943,7 +6943,7 @@
           </p:nvSpPr>
           <p:spPr>
             <a:xfrm>
-              <a:off x="2774476" y="3867414"/>
+              <a:off x="2763155" y="3867414"/>
               <a:ext cx="66150" cy="66150"/>
             </a:xfrm>
             <a:prstGeom prst="ellipse">
@@ -6978,7 +6978,7 @@
           </p:nvSpPr>
           <p:spPr>
             <a:xfrm>
-              <a:off x="3930477" y="4265414"/>
+              <a:off x="3921446" y="4265414"/>
               <a:ext cx="66150" cy="66150"/>
             </a:xfrm>
             <a:prstGeom prst="ellipse">
@@ -7013,7 +7013,7 @@
           </p:nvSpPr>
           <p:spPr>
             <a:xfrm>
-              <a:off x="2537348" y="3469414"/>
+              <a:off x="2525557" y="3469414"/>
               <a:ext cx="66150" cy="66150"/>
             </a:xfrm>
             <a:prstGeom prst="ellipse">
@@ -7048,7 +7048,7 @@
           </p:nvSpPr>
           <p:spPr>
             <a:xfrm>
-              <a:off x="4434375" y="4255464"/>
+              <a:off x="4426342" y="4255464"/>
               <a:ext cx="66150" cy="66150"/>
             </a:xfrm>
             <a:prstGeom prst="ellipse">
@@ -7267,18 +7267,18 @@
           </p:nvSpPr>
           <p:spPr>
             <a:xfrm>
-              <a:off x="858653" y="5743775"/>
-              <a:ext cx="7662208" cy="0"/>
+              <a:off x="843470" y="5743775"/>
+              <a:ext cx="7677391" cy="0"/>
             </a:xfrm>
             <a:custGeom>
               <a:avLst/>
               <a:pathLst>
-                <a:path w="7662208" h="0">
+                <a:path w="7677391" h="0">
                   <a:moveTo>
                     <a:pt x="0" y="0"/>
                   </a:moveTo>
                   <a:lnTo>
-                    <a:pt x="7662208" y="0"/>
+                    <a:pt x="7677391" y="0"/>
                   </a:lnTo>
                 </a:path>
               </a:pathLst>
@@ -7307,7 +7307,7 @@
           </p:nvSpPr>
           <p:spPr>
             <a:xfrm>
-              <a:off x="1088371" y="5743775"/>
+              <a:off x="1073643" y="5743775"/>
               <a:ext cx="0" cy="56936"/>
             </a:xfrm>
             <a:custGeom>
@@ -7347,7 +7347,7 @@
           </p:nvSpPr>
           <p:spPr>
             <a:xfrm>
-              <a:off x="2570423" y="5743775"/>
+              <a:off x="2558632" y="5743775"/>
               <a:ext cx="0" cy="56936"/>
             </a:xfrm>
             <a:custGeom>
@@ -7387,7 +7387,7 @@
           </p:nvSpPr>
           <p:spPr>
             <a:xfrm>
-              <a:off x="4052475" y="5743775"/>
+              <a:off x="4043621" y="5743775"/>
               <a:ext cx="0" cy="56936"/>
             </a:xfrm>
             <a:custGeom>
@@ -7427,7 +7427,7 @@
           </p:nvSpPr>
           <p:spPr>
             <a:xfrm>
-              <a:off x="5534527" y="5743775"/>
+              <a:off x="5528609" y="5743775"/>
               <a:ext cx="0" cy="56936"/>
             </a:xfrm>
             <a:custGeom>
@@ -7467,7 +7467,7 @@
           </p:nvSpPr>
           <p:spPr>
             <a:xfrm>
-              <a:off x="7016579" y="5743775"/>
+              <a:off x="7013598" y="5743775"/>
               <a:ext cx="0" cy="56936"/>
             </a:xfrm>
             <a:custGeom>
@@ -7507,7 +7507,7 @@
           </p:nvSpPr>
           <p:spPr>
             <a:xfrm>
-              <a:off x="8498631" y="5743775"/>
+              <a:off x="8498587" y="5743775"/>
               <a:ext cx="0" cy="56936"/>
             </a:xfrm>
             <a:custGeom>
@@ -7547,7 +7547,7 @@
           </p:nvSpPr>
           <p:spPr>
             <a:xfrm>
-              <a:off x="961235" y="5876403"/>
+              <a:off x="946507" y="5876403"/>
               <a:ext cx="254272" cy="164194"/>
             </a:xfrm>
             <a:prstGeom prst="rect">
@@ -7593,7 +7593,7 @@
           </p:nvSpPr>
           <p:spPr>
             <a:xfrm>
-              <a:off x="2443287" y="5877408"/>
+              <a:off x="2431496" y="5877408"/>
               <a:ext cx="254272" cy="163190"/>
             </a:xfrm>
             <a:prstGeom prst="rect">
@@ -7639,7 +7639,7 @@
           </p:nvSpPr>
           <p:spPr>
             <a:xfrm>
-              <a:off x="3925339" y="5875845"/>
+              <a:off x="3916484" y="5875845"/>
               <a:ext cx="254272" cy="164752"/>
             </a:xfrm>
             <a:prstGeom prst="rect">
@@ -7685,7 +7685,7 @@
           </p:nvSpPr>
           <p:spPr>
             <a:xfrm>
-              <a:off x="5407390" y="5876180"/>
+              <a:off x="5401473" y="5876180"/>
               <a:ext cx="254272" cy="164417"/>
             </a:xfrm>
             <a:prstGeom prst="rect">
@@ -7731,7 +7731,7 @@
           </p:nvSpPr>
           <p:spPr>
             <a:xfrm>
-              <a:off x="6889442" y="5876180"/>
+              <a:off x="6886462" y="5876180"/>
               <a:ext cx="254272" cy="164417"/>
             </a:xfrm>
             <a:prstGeom prst="rect">
@@ -7777,7 +7777,7 @@
           </p:nvSpPr>
           <p:spPr>
             <a:xfrm>
-              <a:off x="8371494" y="5876180"/>
+              <a:off x="8371450" y="5876180"/>
               <a:ext cx="254272" cy="164417"/>
             </a:xfrm>
             <a:prstGeom prst="rect">
@@ -7823,7 +7823,7 @@
           </p:nvSpPr>
           <p:spPr>
             <a:xfrm>
-              <a:off x="4467408" y="6139057"/>
+              <a:off x="4459817" y="6139057"/>
               <a:ext cx="444698" cy="173012"/>
             </a:xfrm>
             <a:prstGeom prst="rect">

--- a/tests/testthat/multi_slide_fullslide_43.pptx
+++ b/tests/testthat/multi_slide_fullslide_43.pptx
@@ -2659,8 +2659,8 @@
           </p:nvSpPr>
           <p:spPr>
             <a:xfrm>
-              <a:off x="1061020" y="1441338"/>
-              <a:ext cx="7499980" cy="4536581"/>
+              <a:off x="1061087" y="1441338"/>
+              <a:ext cx="7499913" cy="4536564"/>
             </a:xfrm>
             <a:prstGeom prst="rect">
               <a:avLst/>
@@ -2685,21 +2685,21 @@
           </p:nvSpPr>
           <p:spPr>
             <a:xfrm>
-              <a:off x="1061020" y="5403169"/>
-              <a:ext cx="7499980" cy="0"/>
+              <a:off x="1061087" y="5403154"/>
+              <a:ext cx="7499913" cy="0"/>
             </a:xfrm>
             <a:custGeom>
               <a:avLst/>
               <a:pathLst>
-                <a:path w="7499980" h="0">
+                <a:path w="7499913" h="0">
                   <a:moveTo>
                     <a:pt x="0" y="0"/>
                   </a:moveTo>
                   <a:lnTo>
-                    <a:pt x="7499980" y="0"/>
+                    <a:pt x="7499913" y="0"/>
                   </a:lnTo>
                   <a:lnTo>
-                    <a:pt x="7499980" y="0"/>
+                    <a:pt x="7499913" y="0"/>
                   </a:lnTo>
                 </a:path>
               </a:pathLst>
@@ -2728,21 +2728,21 @@
           </p:nvSpPr>
           <p:spPr>
             <a:xfrm>
-              <a:off x="1061020" y="4525687"/>
-              <a:ext cx="7499980" cy="0"/>
+              <a:off x="1061087" y="4525675"/>
+              <a:ext cx="7499913" cy="0"/>
             </a:xfrm>
             <a:custGeom>
               <a:avLst/>
               <a:pathLst>
-                <a:path w="7499980" h="0">
+                <a:path w="7499913" h="0">
                   <a:moveTo>
                     <a:pt x="0" y="0"/>
                   </a:moveTo>
                   <a:lnTo>
-                    <a:pt x="7499980" y="0"/>
+                    <a:pt x="7499913" y="0"/>
                   </a:lnTo>
                   <a:lnTo>
-                    <a:pt x="7499980" y="0"/>
+                    <a:pt x="7499913" y="0"/>
                   </a:lnTo>
                 </a:path>
               </a:pathLst>
@@ -2771,21 +2771,21 @@
           </p:nvSpPr>
           <p:spPr>
             <a:xfrm>
-              <a:off x="1061020" y="3648205"/>
-              <a:ext cx="7499980" cy="0"/>
+              <a:off x="1061087" y="3648196"/>
+              <a:ext cx="7499913" cy="0"/>
             </a:xfrm>
             <a:custGeom>
               <a:avLst/>
               <a:pathLst>
-                <a:path w="7499980" h="0">
+                <a:path w="7499913" h="0">
                   <a:moveTo>
                     <a:pt x="0" y="0"/>
                   </a:moveTo>
                   <a:lnTo>
-                    <a:pt x="7499980" y="0"/>
+                    <a:pt x="7499913" y="0"/>
                   </a:lnTo>
                   <a:lnTo>
-                    <a:pt x="7499980" y="0"/>
+                    <a:pt x="7499913" y="0"/>
                   </a:lnTo>
                 </a:path>
               </a:pathLst>
@@ -2814,21 +2814,21 @@
           </p:nvSpPr>
           <p:spPr>
             <a:xfrm>
-              <a:off x="1061020" y="2770723"/>
-              <a:ext cx="7499980" cy="0"/>
+              <a:off x="1061087" y="2770718"/>
+              <a:ext cx="7499913" cy="0"/>
             </a:xfrm>
             <a:custGeom>
               <a:avLst/>
               <a:pathLst>
-                <a:path w="7499980" h="0">
+                <a:path w="7499913" h="0">
                   <a:moveTo>
                     <a:pt x="0" y="0"/>
                   </a:moveTo>
                   <a:lnTo>
-                    <a:pt x="7499980" y="0"/>
+                    <a:pt x="7499913" y="0"/>
                   </a:lnTo>
                   <a:lnTo>
-                    <a:pt x="7499980" y="0"/>
+                    <a:pt x="7499913" y="0"/>
                   </a:lnTo>
                 </a:path>
               </a:pathLst>
@@ -2857,21 +2857,21 @@
           </p:nvSpPr>
           <p:spPr>
             <a:xfrm>
-              <a:off x="1061020" y="1893241"/>
-              <a:ext cx="7499980" cy="0"/>
+              <a:off x="1061087" y="1893239"/>
+              <a:ext cx="7499913" cy="0"/>
             </a:xfrm>
             <a:custGeom>
               <a:avLst/>
               <a:pathLst>
-                <a:path w="7499980" h="0">
+                <a:path w="7499913" h="0">
                   <a:moveTo>
                     <a:pt x="0" y="0"/>
                   </a:moveTo>
                   <a:lnTo>
-                    <a:pt x="7499980" y="0"/>
+                    <a:pt x="7499913" y="0"/>
                   </a:lnTo>
                   <a:lnTo>
-                    <a:pt x="7499980" y="0"/>
+                    <a:pt x="7499913" y="0"/>
                   </a:lnTo>
                 </a:path>
               </a:pathLst>
@@ -2900,15 +2900,15 @@
           </p:nvSpPr>
           <p:spPr>
             <a:xfrm>
-              <a:off x="1379264" y="1441338"/>
-              <a:ext cx="0" cy="4536581"/>
+              <a:off x="1379329" y="1441338"/>
+              <a:ext cx="0" cy="4536564"/>
             </a:xfrm>
             <a:custGeom>
               <a:avLst/>
               <a:pathLst>
-                <a:path w="0" h="4536581">
+                <a:path w="0" h="4536564">
                   <a:moveTo>
-                    <a:pt x="0" y="4536581"/>
+                    <a:pt x="0" y="4536564"/>
                   </a:moveTo>
                   <a:lnTo>
                     <a:pt x="0" y="0"/>
@@ -2943,15 +2943,15 @@
           </p:nvSpPr>
           <p:spPr>
             <a:xfrm>
-              <a:off x="3122595" y="1441338"/>
-              <a:ext cx="0" cy="4536581"/>
+              <a:off x="3122643" y="1441338"/>
+              <a:ext cx="0" cy="4536564"/>
             </a:xfrm>
             <a:custGeom>
               <a:avLst/>
               <a:pathLst>
-                <a:path w="0" h="4536581">
+                <a:path w="0" h="4536564">
                   <a:moveTo>
-                    <a:pt x="0" y="4536581"/>
+                    <a:pt x="0" y="4536564"/>
                   </a:moveTo>
                   <a:lnTo>
                     <a:pt x="0" y="0"/>
@@ -2986,15 +2986,15 @@
           </p:nvSpPr>
           <p:spPr>
             <a:xfrm>
-              <a:off x="4865925" y="1441338"/>
-              <a:ext cx="0" cy="4536581"/>
+              <a:off x="4865958" y="1441338"/>
+              <a:ext cx="0" cy="4536564"/>
             </a:xfrm>
             <a:custGeom>
               <a:avLst/>
               <a:pathLst>
-                <a:path w="0" h="4536581">
+                <a:path w="0" h="4536564">
                   <a:moveTo>
-                    <a:pt x="0" y="4536581"/>
+                    <a:pt x="0" y="4536564"/>
                   </a:moveTo>
                   <a:lnTo>
                     <a:pt x="0" y="0"/>
@@ -3029,15 +3029,15 @@
           </p:nvSpPr>
           <p:spPr>
             <a:xfrm>
-              <a:off x="6609255" y="1441338"/>
-              <a:ext cx="0" cy="4536581"/>
+              <a:off x="6609273" y="1441338"/>
+              <a:ext cx="0" cy="4536564"/>
             </a:xfrm>
             <a:custGeom>
               <a:avLst/>
               <a:pathLst>
-                <a:path w="0" h="4536581">
+                <a:path w="0" h="4536564">
                   <a:moveTo>
-                    <a:pt x="0" y="4536581"/>
+                    <a:pt x="0" y="4536564"/>
                   </a:moveTo>
                   <a:lnTo>
                     <a:pt x="0" y="0"/>
@@ -3072,15 +3072,15 @@
           </p:nvSpPr>
           <p:spPr>
             <a:xfrm>
-              <a:off x="8352585" y="1441338"/>
-              <a:ext cx="0" cy="4536581"/>
+              <a:off x="8352587" y="1441338"/>
+              <a:ext cx="0" cy="4536564"/>
             </a:xfrm>
             <a:custGeom>
               <a:avLst/>
               <a:pathLst>
-                <a:path w="0" h="4536581">
+                <a:path w="0" h="4536564">
                   <a:moveTo>
-                    <a:pt x="0" y="4536581"/>
+                    <a:pt x="0" y="4536564"/>
                   </a:moveTo>
                   <a:lnTo>
                     <a:pt x="0" y="0"/>
@@ -3115,21 +3115,21 @@
           </p:nvSpPr>
           <p:spPr>
             <a:xfrm>
-              <a:off x="1061020" y="5841910"/>
-              <a:ext cx="7499980" cy="0"/>
+              <a:off x="1061087" y="5841893"/>
+              <a:ext cx="7499913" cy="0"/>
             </a:xfrm>
             <a:custGeom>
               <a:avLst/>
               <a:pathLst>
-                <a:path w="7499980" h="0">
+                <a:path w="7499913" h="0">
                   <a:moveTo>
                     <a:pt x="0" y="0"/>
                   </a:moveTo>
                   <a:lnTo>
-                    <a:pt x="7499980" y="0"/>
+                    <a:pt x="7499913" y="0"/>
                   </a:lnTo>
                   <a:lnTo>
-                    <a:pt x="7499980" y="0"/>
+                    <a:pt x="7499913" y="0"/>
                   </a:lnTo>
                 </a:path>
               </a:pathLst>
@@ -3158,21 +3158,21 @@
           </p:nvSpPr>
           <p:spPr>
             <a:xfrm>
-              <a:off x="1061020" y="4964428"/>
-              <a:ext cx="7499980" cy="0"/>
+              <a:off x="1061087" y="4964414"/>
+              <a:ext cx="7499913" cy="0"/>
             </a:xfrm>
             <a:custGeom>
               <a:avLst/>
               <a:pathLst>
-                <a:path w="7499980" h="0">
+                <a:path w="7499913" h="0">
                   <a:moveTo>
                     <a:pt x="0" y="0"/>
                   </a:moveTo>
                   <a:lnTo>
-                    <a:pt x="7499980" y="0"/>
+                    <a:pt x="7499913" y="0"/>
                   </a:lnTo>
                   <a:lnTo>
-                    <a:pt x="7499980" y="0"/>
+                    <a:pt x="7499913" y="0"/>
                   </a:lnTo>
                 </a:path>
               </a:pathLst>
@@ -3201,21 +3201,21 @@
           </p:nvSpPr>
           <p:spPr>
             <a:xfrm>
-              <a:off x="1061020" y="4086946"/>
-              <a:ext cx="7499980" cy="0"/>
+              <a:off x="1061087" y="4086936"/>
+              <a:ext cx="7499913" cy="0"/>
             </a:xfrm>
             <a:custGeom>
               <a:avLst/>
               <a:pathLst>
-                <a:path w="7499980" h="0">
+                <a:path w="7499913" h="0">
                   <a:moveTo>
                     <a:pt x="0" y="0"/>
                   </a:moveTo>
                   <a:lnTo>
-                    <a:pt x="7499980" y="0"/>
+                    <a:pt x="7499913" y="0"/>
                   </a:lnTo>
                   <a:lnTo>
-                    <a:pt x="7499980" y="0"/>
+                    <a:pt x="7499913" y="0"/>
                   </a:lnTo>
                 </a:path>
               </a:pathLst>
@@ -3244,21 +3244,21 @@
           </p:nvSpPr>
           <p:spPr>
             <a:xfrm>
-              <a:off x="1061020" y="3209464"/>
-              <a:ext cx="7499980" cy="0"/>
+              <a:off x="1061087" y="3209457"/>
+              <a:ext cx="7499913" cy="0"/>
             </a:xfrm>
             <a:custGeom>
               <a:avLst/>
               <a:pathLst>
-                <a:path w="7499980" h="0">
+                <a:path w="7499913" h="0">
                   <a:moveTo>
                     <a:pt x="0" y="0"/>
                   </a:moveTo>
                   <a:lnTo>
-                    <a:pt x="7499980" y="0"/>
+                    <a:pt x="7499913" y="0"/>
                   </a:lnTo>
                   <a:lnTo>
-                    <a:pt x="7499980" y="0"/>
+                    <a:pt x="7499913" y="0"/>
                   </a:lnTo>
                 </a:path>
               </a:pathLst>
@@ -3287,21 +3287,21 @@
           </p:nvSpPr>
           <p:spPr>
             <a:xfrm>
-              <a:off x="1061020" y="2331982"/>
-              <a:ext cx="7499980" cy="0"/>
+              <a:off x="1061087" y="2331978"/>
+              <a:ext cx="7499913" cy="0"/>
             </a:xfrm>
             <a:custGeom>
               <a:avLst/>
               <a:pathLst>
-                <a:path w="7499980" h="0">
+                <a:path w="7499913" h="0">
                   <a:moveTo>
                     <a:pt x="0" y="0"/>
                   </a:moveTo>
                   <a:lnTo>
-                    <a:pt x="7499980" y="0"/>
+                    <a:pt x="7499913" y="0"/>
                   </a:lnTo>
                   <a:lnTo>
-                    <a:pt x="7499980" y="0"/>
+                    <a:pt x="7499913" y="0"/>
                   </a:lnTo>
                 </a:path>
               </a:pathLst>
@@ -3330,21 +3330,21 @@
           </p:nvSpPr>
           <p:spPr>
             <a:xfrm>
-              <a:off x="1061020" y="1454500"/>
-              <a:ext cx="7499980" cy="0"/>
+              <a:off x="1061087" y="1454500"/>
+              <a:ext cx="7499913" cy="0"/>
             </a:xfrm>
             <a:custGeom>
               <a:avLst/>
               <a:pathLst>
-                <a:path w="7499980" h="0">
+                <a:path w="7499913" h="0">
                   <a:moveTo>
                     <a:pt x="0" y="0"/>
                   </a:moveTo>
                   <a:lnTo>
-                    <a:pt x="7499980" y="0"/>
+                    <a:pt x="7499913" y="0"/>
                   </a:lnTo>
                   <a:lnTo>
-                    <a:pt x="7499980" y="0"/>
+                    <a:pt x="7499913" y="0"/>
                   </a:lnTo>
                 </a:path>
               </a:pathLst>
@@ -3373,15 +3373,15 @@
           </p:nvSpPr>
           <p:spPr>
             <a:xfrm>
-              <a:off x="2250930" y="1441338"/>
-              <a:ext cx="0" cy="4536581"/>
+              <a:off x="2250986" y="1441338"/>
+              <a:ext cx="0" cy="4536564"/>
             </a:xfrm>
             <a:custGeom>
               <a:avLst/>
               <a:pathLst>
-                <a:path w="0" h="4536581">
+                <a:path w="0" h="4536564">
                   <a:moveTo>
-                    <a:pt x="0" y="4536581"/>
+                    <a:pt x="0" y="4536564"/>
                   </a:moveTo>
                   <a:lnTo>
                     <a:pt x="0" y="0"/>
@@ -3416,15 +3416,15 @@
           </p:nvSpPr>
           <p:spPr>
             <a:xfrm>
-              <a:off x="3994260" y="1441338"/>
-              <a:ext cx="0" cy="4536581"/>
+              <a:off x="3994301" y="1441338"/>
+              <a:ext cx="0" cy="4536564"/>
             </a:xfrm>
             <a:custGeom>
               <a:avLst/>
               <a:pathLst>
-                <a:path w="0" h="4536581">
+                <a:path w="0" h="4536564">
                   <a:moveTo>
-                    <a:pt x="0" y="4536581"/>
+                    <a:pt x="0" y="4536564"/>
                   </a:moveTo>
                   <a:lnTo>
                     <a:pt x="0" y="0"/>
@@ -3459,15 +3459,15 @@
           </p:nvSpPr>
           <p:spPr>
             <a:xfrm>
-              <a:off x="5737590" y="1441338"/>
-              <a:ext cx="0" cy="4536581"/>
+              <a:off x="5737615" y="1441338"/>
+              <a:ext cx="0" cy="4536564"/>
             </a:xfrm>
             <a:custGeom>
               <a:avLst/>
               <a:pathLst>
-                <a:path w="0" h="4536581">
+                <a:path w="0" h="4536564">
                   <a:moveTo>
-                    <a:pt x="0" y="4536581"/>
+                    <a:pt x="0" y="4536564"/>
                   </a:moveTo>
                   <a:lnTo>
                     <a:pt x="0" y="0"/>
@@ -3502,15 +3502,15 @@
           </p:nvSpPr>
           <p:spPr>
             <a:xfrm>
-              <a:off x="7480920" y="1441338"/>
-              <a:ext cx="0" cy="4536581"/>
+              <a:off x="7480930" y="1441338"/>
+              <a:ext cx="0" cy="4536564"/>
             </a:xfrm>
             <a:custGeom>
               <a:avLst/>
               <a:pathLst>
-                <a:path w="0" h="4536581">
+                <a:path w="0" h="4536564">
                   <a:moveTo>
-                    <a:pt x="0" y="4536581"/>
+                    <a:pt x="0" y="4536564"/>
                   </a:moveTo>
                   <a:lnTo>
                     <a:pt x="0" y="0"/>
@@ -3545,7 +3545,7 @@
           </p:nvSpPr>
           <p:spPr>
             <a:xfrm>
-              <a:off x="3298719" y="3878374"/>
+              <a:off x="3298766" y="3878365"/>
               <a:ext cx="66150" cy="66150"/>
             </a:xfrm>
             <a:prstGeom prst="ellipse">
@@ -3580,7 +3580,7 @@
           </p:nvSpPr>
           <p:spPr>
             <a:xfrm>
-              <a:off x="3743269" y="3878374"/>
+              <a:off x="3743311" y="3878365"/>
               <a:ext cx="66150" cy="66150"/>
             </a:xfrm>
             <a:prstGeom prst="ellipse">
@@ -3615,7 +3615,7 @@
           </p:nvSpPr>
           <p:spPr>
             <a:xfrm>
-              <a:off x="2775720" y="3562481"/>
+              <a:off x="2775772" y="3562473"/>
               <a:ext cx="66150" cy="66150"/>
             </a:xfrm>
             <a:prstGeom prst="ellipse">
@@ -3650,7 +3650,7 @@
           </p:nvSpPr>
           <p:spPr>
             <a:xfrm>
-              <a:off x="4336001" y="3808176"/>
+              <a:off x="4336038" y="3808167"/>
               <a:ext cx="66150" cy="66150"/>
             </a:xfrm>
             <a:prstGeom prst="ellipse">
@@ -3685,7 +3685,7 @@
           </p:nvSpPr>
           <p:spPr>
             <a:xfrm>
-              <a:off x="4728250" y="4282016"/>
+              <a:off x="4728284" y="4282005"/>
               <a:ext cx="66150" cy="66150"/>
             </a:xfrm>
             <a:prstGeom prst="ellipse">
@@ -3720,7 +3720,7 @@
           </p:nvSpPr>
           <p:spPr>
             <a:xfrm>
-              <a:off x="4763117" y="4387314"/>
+              <a:off x="4763150" y="4387303"/>
               <a:ext cx="66150" cy="66150"/>
             </a:xfrm>
             <a:prstGeom prst="ellipse">
@@ -3755,7 +3755,7 @@
           </p:nvSpPr>
           <p:spPr>
             <a:xfrm>
-              <a:off x="4954883" y="5054200"/>
+              <a:off x="4954915" y="5054186"/>
               <a:ext cx="66150" cy="66150"/>
             </a:xfrm>
             <a:prstGeom prst="ellipse">
@@ -3790,7 +3790,7 @@
           </p:nvSpPr>
           <p:spPr>
             <a:xfrm>
-              <a:off x="4292418" y="3281687"/>
+              <a:off x="4292455" y="3281679"/>
               <a:ext cx="66150" cy="66150"/>
             </a:xfrm>
             <a:prstGeom prst="ellipse">
@@ -3825,7 +3825,7 @@
           </p:nvSpPr>
           <p:spPr>
             <a:xfrm>
-              <a:off x="4222684" y="3562481"/>
+              <a:off x="4222723" y="3562473"/>
               <a:ext cx="66150" cy="66150"/>
             </a:xfrm>
             <a:prstGeom prst="ellipse">
@@ -3860,7 +3860,7 @@
           </p:nvSpPr>
           <p:spPr>
             <a:xfrm>
-              <a:off x="4728250" y="4194268"/>
+              <a:off x="4728284" y="4194257"/>
               <a:ext cx="66150" cy="66150"/>
             </a:xfrm>
             <a:prstGeom prst="ellipse">
@@ -3895,7 +3895,7 @@
           </p:nvSpPr>
           <p:spPr>
             <a:xfrm>
-              <a:off x="4728250" y="4439963"/>
+              <a:off x="4728284" y="4439951"/>
               <a:ext cx="66150" cy="66150"/>
             </a:xfrm>
             <a:prstGeom prst="ellipse">
@@ -3930,7 +3930,7 @@
           </p:nvSpPr>
           <p:spPr>
             <a:xfrm>
-              <a:off x="5826548" y="4685658"/>
+              <a:off x="5826572" y="4685645"/>
               <a:ext cx="66150" cy="66150"/>
             </a:xfrm>
             <a:prstGeom prst="ellipse">
@@ -3965,7 +3965,7 @@
           </p:nvSpPr>
           <p:spPr>
             <a:xfrm>
-              <a:off x="5233816" y="4527711"/>
+              <a:off x="5233845" y="4527699"/>
               <a:ext cx="66150" cy="66150"/>
             </a:xfrm>
             <a:prstGeom prst="ellipse">
@@ -4000,7 +4000,7 @@
           </p:nvSpPr>
           <p:spPr>
             <a:xfrm>
-              <a:off x="5320982" y="4896253"/>
+              <a:off x="5321011" y="4896240"/>
               <a:ext cx="66150" cy="66150"/>
             </a:xfrm>
             <a:prstGeom prst="ellipse">
@@ -4035,7 +4035,7 @@
           </p:nvSpPr>
           <p:spPr>
             <a:xfrm>
-              <a:off x="7883678" y="5738636"/>
+              <a:off x="7883684" y="5738620"/>
               <a:ext cx="66150" cy="66150"/>
             </a:xfrm>
             <a:prstGeom prst="ellipse">
@@ -4070,7 +4070,7 @@
           </p:nvSpPr>
           <p:spPr>
             <a:xfrm>
-              <a:off x="8187017" y="5738636"/>
+              <a:off x="8187020" y="5738620"/>
               <a:ext cx="66150" cy="66150"/>
             </a:xfrm>
             <a:prstGeom prst="ellipse">
@@ -4105,7 +4105,7 @@
           </p:nvSpPr>
           <p:spPr>
             <a:xfrm>
-              <a:off x="8049294" y="4984002"/>
+              <a:off x="8049298" y="4983988"/>
               <a:ext cx="66150" cy="66150"/>
             </a:xfrm>
             <a:prstGeom prst="ellipse">
@@ -4140,7 +4140,7 @@
           </p:nvSpPr>
           <p:spPr>
             <a:xfrm>
-              <a:off x="2566521" y="1877715"/>
+              <a:off x="2566574" y="1877714"/>
               <a:ext cx="66150" cy="66150"/>
             </a:xfrm>
             <a:prstGeom prst="ellipse">
@@ -4175,7 +4175,7 @@
           </p:nvSpPr>
           <p:spPr>
             <a:xfrm>
-              <a:off x="1546672" y="2228708"/>
+              <a:off x="1546735" y="2228705"/>
               <a:ext cx="66150" cy="66150"/>
             </a:xfrm>
             <a:prstGeom prst="ellipse">
@@ -4210,7 +4210,7 @@
           </p:nvSpPr>
           <p:spPr>
             <a:xfrm>
-              <a:off x="1930205" y="1614471"/>
+              <a:off x="1930264" y="1614470"/>
               <a:ext cx="66150" cy="66150"/>
             </a:xfrm>
             <a:prstGeom prst="ellipse">
@@ -4245,7 +4245,7 @@
           </p:nvSpPr>
           <p:spPr>
             <a:xfrm>
-              <a:off x="3028503" y="3790626"/>
+              <a:off x="3028552" y="3790617"/>
               <a:ext cx="66150" cy="66150"/>
             </a:xfrm>
             <a:prstGeom prst="ellipse">
@@ -4280,7 +4280,7 @@
           </p:nvSpPr>
           <p:spPr>
             <a:xfrm>
-              <a:off x="4867717" y="4843605"/>
+              <a:off x="4867749" y="4843591"/>
               <a:ext cx="66150" cy="66150"/>
             </a:xfrm>
             <a:prstGeom prst="ellipse">
@@ -4315,7 +4315,7 @@
           </p:nvSpPr>
           <p:spPr>
             <a:xfrm>
-              <a:off x="4719533" y="4896253"/>
+              <a:off x="4719567" y="4896240"/>
               <a:ext cx="66150" cy="66150"/>
             </a:xfrm>
             <a:prstGeom prst="ellipse">
@@ -4350,7 +4350,7 @@
           </p:nvSpPr>
           <p:spPr>
             <a:xfrm>
-              <a:off x="5425582" y="5229697"/>
+              <a:off x="5425610" y="5229682"/>
               <a:ext cx="66150" cy="66150"/>
             </a:xfrm>
             <a:prstGeom prst="ellipse">
@@ -4385,7 +4385,7 @@
           </p:nvSpPr>
           <p:spPr>
             <a:xfrm>
-              <a:off x="5434299" y="4194268"/>
+              <a:off x="5434326" y="4194257"/>
               <a:ext cx="66150" cy="66150"/>
             </a:xfrm>
             <a:prstGeom prst="ellipse">
@@ -4420,7 +4420,7 @@
           </p:nvSpPr>
           <p:spPr>
             <a:xfrm>
-              <a:off x="2104538" y="2772747"/>
+              <a:off x="2104596" y="2772742"/>
               <a:ext cx="66150" cy="66150"/>
             </a:xfrm>
             <a:prstGeom prst="ellipse">
@@ -4455,7 +4455,7 @@
           </p:nvSpPr>
           <p:spPr>
             <a:xfrm>
-              <a:off x="2461921" y="3000892"/>
+              <a:off x="2461975" y="3000886"/>
               <a:ext cx="66150" cy="66150"/>
             </a:xfrm>
             <a:prstGeom prst="ellipse">
@@ -4490,7 +4490,7 @@
           </p:nvSpPr>
           <p:spPr>
             <a:xfrm>
-              <a:off x="1368853" y="2228708"/>
+              <a:off x="1368917" y="2228705"/>
               <a:ext cx="66150" cy="66150"/>
             </a:xfrm>
             <a:prstGeom prst="ellipse">
@@ -4525,7 +4525,7 @@
           </p:nvSpPr>
           <p:spPr>
             <a:xfrm>
-              <a:off x="4257551" y="4790956"/>
+              <a:off x="4257589" y="4790943"/>
               <a:ext cx="66150" cy="66150"/>
             </a:xfrm>
             <a:prstGeom prst="ellipse">
@@ -4560,7 +4560,7 @@
           </p:nvSpPr>
           <p:spPr>
             <a:xfrm>
-              <a:off x="3560219" y="4106520"/>
+              <a:off x="3560263" y="4106509"/>
               <a:ext cx="66150" cy="66150"/>
             </a:xfrm>
             <a:prstGeom prst="ellipse">
@@ -4595,7 +4595,7 @@
           </p:nvSpPr>
           <p:spPr>
             <a:xfrm>
-              <a:off x="4954883" y="4931353"/>
+              <a:off x="4954915" y="4931339"/>
               <a:ext cx="66150" cy="66150"/>
             </a:xfrm>
             <a:prstGeom prst="ellipse">
@@ -4630,7 +4630,7 @@
           </p:nvSpPr>
           <p:spPr>
             <a:xfrm>
-              <a:off x="3577652" y="3808176"/>
+              <a:off x="3577696" y="3808167"/>
               <a:ext cx="66150" cy="66150"/>
             </a:xfrm>
             <a:prstGeom prst="ellipse">
@@ -4665,8 +4665,8 @@
           </p:nvSpPr>
           <p:spPr>
             <a:xfrm>
-              <a:off x="874078" y="5801719"/>
-              <a:ext cx="124311" cy="80272"/>
+              <a:off x="874098" y="5801842"/>
+              <a:ext cx="124358" cy="80101"/>
             </a:xfrm>
             <a:prstGeom prst="rect">
               <a:avLst/>
@@ -4711,8 +4711,8 @@
           </p:nvSpPr>
           <p:spPr>
             <a:xfrm>
-              <a:off x="874078" y="4924728"/>
-              <a:ext cx="124311" cy="79781"/>
+              <a:off x="874098" y="4924364"/>
+              <a:ext cx="124358" cy="80101"/>
             </a:xfrm>
             <a:prstGeom prst="rect">
               <a:avLst/>
@@ -4757,8 +4757,8 @@
           </p:nvSpPr>
           <p:spPr>
             <a:xfrm>
-              <a:off x="874078" y="4046482"/>
-              <a:ext cx="124311" cy="80545"/>
+              <a:off x="874098" y="4046885"/>
+              <a:ext cx="124358" cy="80101"/>
             </a:xfrm>
             <a:prstGeom prst="rect">
               <a:avLst/>
@@ -4803,8 +4803,8 @@
           </p:nvSpPr>
           <p:spPr>
             <a:xfrm>
-              <a:off x="874078" y="3169164"/>
-              <a:ext cx="124311" cy="80382"/>
+              <a:off x="874098" y="3169406"/>
+              <a:ext cx="124358" cy="80101"/>
             </a:xfrm>
             <a:prstGeom prst="rect">
               <a:avLst/>
@@ -4849,8 +4849,8 @@
           </p:nvSpPr>
           <p:spPr>
             <a:xfrm>
-              <a:off x="874078" y="2291682"/>
-              <a:ext cx="124311" cy="80382"/>
+              <a:off x="874098" y="2291928"/>
+              <a:ext cx="124358" cy="80101"/>
             </a:xfrm>
             <a:prstGeom prst="rect">
               <a:avLst/>
@@ -4895,8 +4895,8 @@
           </p:nvSpPr>
           <p:spPr>
             <a:xfrm>
-              <a:off x="874078" y="1414200"/>
-              <a:ext cx="124311" cy="80382"/>
+              <a:off x="874098" y="1414449"/>
+              <a:ext cx="124358" cy="80101"/>
             </a:xfrm>
             <a:prstGeom prst="rect">
               <a:avLst/>
@@ -4941,7 +4941,7 @@
           </p:nvSpPr>
           <p:spPr>
             <a:xfrm>
-              <a:off x="1026225" y="5841910"/>
+              <a:off x="1026292" y="5841893"/>
               <a:ext cx="34794" cy="0"/>
             </a:xfrm>
             <a:custGeom>
@@ -4981,7 +4981,7 @@
           </p:nvSpPr>
           <p:spPr>
             <a:xfrm>
-              <a:off x="1026225" y="4964428"/>
+              <a:off x="1026292" y="4964414"/>
               <a:ext cx="34794" cy="0"/>
             </a:xfrm>
             <a:custGeom>
@@ -5021,7 +5021,7 @@
           </p:nvSpPr>
           <p:spPr>
             <a:xfrm>
-              <a:off x="1026225" y="4086946"/>
+              <a:off x="1026292" y="4086936"/>
               <a:ext cx="34794" cy="0"/>
             </a:xfrm>
             <a:custGeom>
@@ -5061,7 +5061,7 @@
           </p:nvSpPr>
           <p:spPr>
             <a:xfrm>
-              <a:off x="1026225" y="3209464"/>
+              <a:off x="1026292" y="3209457"/>
               <a:ext cx="34794" cy="0"/>
             </a:xfrm>
             <a:custGeom>
@@ -5101,7 +5101,7 @@
           </p:nvSpPr>
           <p:spPr>
             <a:xfrm>
-              <a:off x="1026225" y="2331982"/>
+              <a:off x="1026292" y="2331978"/>
               <a:ext cx="34794" cy="0"/>
             </a:xfrm>
             <a:custGeom>
@@ -5141,7 +5141,7 @@
           </p:nvSpPr>
           <p:spPr>
             <a:xfrm>
-              <a:off x="1026225" y="1454500"/>
+              <a:off x="1026292" y="1454500"/>
               <a:ext cx="34794" cy="0"/>
             </a:xfrm>
             <a:custGeom>
@@ -5181,7 +5181,7 @@
           </p:nvSpPr>
           <p:spPr>
             <a:xfrm>
-              <a:off x="2250930" y="5977919"/>
+              <a:off x="2250986" y="5977902"/>
               <a:ext cx="0" cy="34794"/>
             </a:xfrm>
             <a:custGeom>
@@ -5221,7 +5221,7 @@
           </p:nvSpPr>
           <p:spPr>
             <a:xfrm>
-              <a:off x="3994260" y="5977919"/>
+              <a:off x="3994301" y="5977902"/>
               <a:ext cx="0" cy="34794"/>
             </a:xfrm>
             <a:custGeom>
@@ -5261,7 +5261,7 @@
           </p:nvSpPr>
           <p:spPr>
             <a:xfrm>
-              <a:off x="5737590" y="5977919"/>
+              <a:off x="5737615" y="5977902"/>
               <a:ext cx="0" cy="34794"/>
             </a:xfrm>
             <a:custGeom>
@@ -5301,7 +5301,7 @@
           </p:nvSpPr>
           <p:spPr>
             <a:xfrm>
-              <a:off x="7480920" y="5977919"/>
+              <a:off x="7480930" y="5977902"/>
               <a:ext cx="0" cy="34794"/>
             </a:xfrm>
             <a:custGeom>
@@ -5341,8 +5341,8 @@
           </p:nvSpPr>
           <p:spPr>
             <a:xfrm>
-              <a:off x="2219852" y="6042296"/>
-              <a:ext cx="62155" cy="78417"/>
+              <a:off x="2219896" y="6040532"/>
+              <a:ext cx="62179" cy="80101"/>
             </a:xfrm>
             <a:prstGeom prst="rect">
               <a:avLst/>
@@ -5387,8 +5387,8 @@
           </p:nvSpPr>
           <p:spPr>
             <a:xfrm>
-              <a:off x="3963182" y="6040331"/>
-              <a:ext cx="62155" cy="80382"/>
+              <a:off x="3963211" y="6040532"/>
+              <a:ext cx="62179" cy="80101"/>
             </a:xfrm>
             <a:prstGeom prst="rect">
               <a:avLst/>
@@ -5433,8 +5433,8 @@
           </p:nvSpPr>
           <p:spPr>
             <a:xfrm>
-              <a:off x="5706512" y="6042350"/>
-              <a:ext cx="62155" cy="78362"/>
+              <a:off x="5706526" y="6040532"/>
+              <a:ext cx="62179" cy="80101"/>
             </a:xfrm>
             <a:prstGeom prst="rect">
               <a:avLst/>
@@ -5479,8 +5479,8 @@
           </p:nvSpPr>
           <p:spPr>
             <a:xfrm>
-              <a:off x="7449842" y="6041914"/>
-              <a:ext cx="62155" cy="78799"/>
+              <a:off x="7449840" y="6040532"/>
+              <a:ext cx="62179" cy="80101"/>
             </a:xfrm>
             <a:prstGeom prst="rect">
               <a:avLst/>
@@ -5525,8 +5525,8 @@
           </p:nvSpPr>
           <p:spPr>
             <a:xfrm>
-              <a:off x="4741160" y="6185822"/>
-              <a:ext cx="139700" cy="94611"/>
+              <a:off x="4741229" y="6180208"/>
+              <a:ext cx="139628" cy="100218"/>
             </a:xfrm>
             <a:prstGeom prst="rect">
               <a:avLst/>
@@ -5571,8 +5571,8 @@
           </p:nvSpPr>
           <p:spPr>
             <a:xfrm rot="-5400000">
-              <a:off x="619638" y="3656764"/>
-              <a:ext cx="271760" cy="105729"/>
+              <a:off x="622362" y="3659511"/>
+              <a:ext cx="271851" cy="100218"/>
             </a:xfrm>
             <a:prstGeom prst="rect">
               <a:avLst/>
@@ -5765,8 +5765,8 @@
           </p:nvSpPr>
           <p:spPr>
             <a:xfrm>
-              <a:off x="843470" y="1463188"/>
-              <a:ext cx="7677391" cy="4280586"/>
+              <a:off x="843435" y="1463188"/>
+              <a:ext cx="7677426" cy="4280621"/>
             </a:xfrm>
             <a:prstGeom prst="rect">
               <a:avLst/>
@@ -5791,21 +5791,21 @@
           </p:nvSpPr>
           <p:spPr>
             <a:xfrm>
-              <a:off x="843470" y="5064638"/>
-              <a:ext cx="7677391" cy="0"/>
+              <a:off x="843435" y="5064667"/>
+              <a:ext cx="7677426" cy="0"/>
             </a:xfrm>
             <a:custGeom>
               <a:avLst/>
               <a:pathLst>
-                <a:path w="7677391" h="0">
+                <a:path w="7677426" h="0">
                   <a:moveTo>
                     <a:pt x="0" y="0"/>
                   </a:moveTo>
                   <a:lnTo>
-                    <a:pt x="7677391" y="0"/>
+                    <a:pt x="7677426" y="0"/>
                   </a:lnTo>
                   <a:lnTo>
-                    <a:pt x="7677391" y="0"/>
+                    <a:pt x="7677426" y="0"/>
                   </a:lnTo>
                 </a:path>
               </a:pathLst>
@@ -5834,21 +5834,21 @@
           </p:nvSpPr>
           <p:spPr>
             <a:xfrm>
-              <a:off x="843470" y="4069639"/>
-              <a:ext cx="7677391" cy="0"/>
+              <a:off x="843435" y="4069660"/>
+              <a:ext cx="7677426" cy="0"/>
             </a:xfrm>
             <a:custGeom>
               <a:avLst/>
               <a:pathLst>
-                <a:path w="7677391" h="0">
+                <a:path w="7677426" h="0">
                   <a:moveTo>
                     <a:pt x="0" y="0"/>
                   </a:moveTo>
                   <a:lnTo>
-                    <a:pt x="7677391" y="0"/>
+                    <a:pt x="7677426" y="0"/>
                   </a:lnTo>
                   <a:lnTo>
-                    <a:pt x="7677391" y="0"/>
+                    <a:pt x="7677426" y="0"/>
                   </a:lnTo>
                 </a:path>
               </a:pathLst>
@@ -5877,21 +5877,21 @@
           </p:nvSpPr>
           <p:spPr>
             <a:xfrm>
-              <a:off x="843470" y="3074640"/>
-              <a:ext cx="7677391" cy="0"/>
+              <a:off x="843435" y="3074653"/>
+              <a:ext cx="7677426" cy="0"/>
             </a:xfrm>
             <a:custGeom>
               <a:avLst/>
               <a:pathLst>
-                <a:path w="7677391" h="0">
+                <a:path w="7677426" h="0">
                   <a:moveTo>
                     <a:pt x="0" y="0"/>
                   </a:moveTo>
                   <a:lnTo>
-                    <a:pt x="7677391" y="0"/>
+                    <a:pt x="7677426" y="0"/>
                   </a:lnTo>
                   <a:lnTo>
-                    <a:pt x="7677391" y="0"/>
+                    <a:pt x="7677426" y="0"/>
                   </a:lnTo>
                 </a:path>
               </a:pathLst>
@@ -5920,21 +5920,21 @@
           </p:nvSpPr>
           <p:spPr>
             <a:xfrm>
-              <a:off x="843470" y="2079640"/>
-              <a:ext cx="7677391" cy="0"/>
+              <a:off x="843435" y="2079645"/>
+              <a:ext cx="7677426" cy="0"/>
             </a:xfrm>
             <a:custGeom>
               <a:avLst/>
               <a:pathLst>
-                <a:path w="7677391" h="0">
+                <a:path w="7677426" h="0">
                   <a:moveTo>
                     <a:pt x="0" y="0"/>
                   </a:moveTo>
                   <a:lnTo>
-                    <a:pt x="7677391" y="0"/>
+                    <a:pt x="7677426" y="0"/>
                   </a:lnTo>
                   <a:lnTo>
-                    <a:pt x="7677391" y="0"/>
+                    <a:pt x="7677426" y="0"/>
                   </a:lnTo>
                 </a:path>
               </a:pathLst>
@@ -5963,7 +5963,7 @@
           </p:nvSpPr>
           <p:spPr>
             <a:xfrm>
-              <a:off x="4307543" y="4414663"/>
+              <a:off x="4307524" y="4414688"/>
               <a:ext cx="66150" cy="66150"/>
             </a:xfrm>
             <a:prstGeom prst="ellipse">
@@ -5998,7 +5998,7 @@
           </p:nvSpPr>
           <p:spPr>
             <a:xfrm>
-              <a:off x="4307543" y="4160939"/>
+              <a:off x="4307524" y="4160961"/>
               <a:ext cx="66150" cy="66150"/>
             </a:xfrm>
             <a:prstGeom prst="ellipse">
@@ -6033,7 +6033,7 @@
           </p:nvSpPr>
           <p:spPr>
             <a:xfrm>
-              <a:off x="4842139" y="4713163"/>
+              <a:off x="4842123" y="4713190"/>
               <a:ext cx="66150" cy="66150"/>
             </a:xfrm>
             <a:prstGeom prst="ellipse">
@@ -6068,7 +6068,7 @@
           </p:nvSpPr>
           <p:spPr>
             <a:xfrm>
-              <a:off x="4426342" y="3822639"/>
+              <a:off x="4426324" y="3822658"/>
               <a:ext cx="66150" cy="66150"/>
             </a:xfrm>
             <a:prstGeom prst="ellipse">
@@ -6103,7 +6103,7 @@
           </p:nvSpPr>
           <p:spPr>
             <a:xfrm>
-              <a:off x="3624449" y="3598764"/>
+              <a:off x="3624427" y="3598782"/>
               <a:ext cx="66150" cy="66150"/>
             </a:xfrm>
             <a:prstGeom prst="ellipse">
@@ -6138,7 +6138,7 @@
           </p:nvSpPr>
           <p:spPr>
             <a:xfrm>
-              <a:off x="3446250" y="3578864"/>
+              <a:off x="3446227" y="3578882"/>
               <a:ext cx="66150" cy="66150"/>
             </a:xfrm>
             <a:prstGeom prst="ellipse">
@@ -6173,7 +6173,7 @@
           </p:nvSpPr>
           <p:spPr>
             <a:xfrm>
-              <a:off x="2317659" y="3469414"/>
+              <a:off x="2317631" y="3469431"/>
               <a:ext cx="66150" cy="66150"/>
             </a:xfrm>
             <a:prstGeom prst="ellipse">
@@ -6208,7 +6208,7 @@
           </p:nvSpPr>
           <p:spPr>
             <a:xfrm>
-              <a:off x="5317336" y="3847514"/>
+              <a:off x="5317321" y="3847534"/>
               <a:ext cx="66150" cy="66150"/>
             </a:xfrm>
             <a:prstGeom prst="ellipse">
@@ -6243,7 +6243,7 @@
           </p:nvSpPr>
           <p:spPr>
             <a:xfrm>
-              <a:off x="4842139" y="3887314"/>
+              <a:off x="4842123" y="3887334"/>
               <a:ext cx="66150" cy="66150"/>
             </a:xfrm>
             <a:prstGeom prst="ellipse">
@@ -6278,7 +6278,7 @@
           </p:nvSpPr>
           <p:spPr>
             <a:xfrm>
-              <a:off x="3772947" y="3598764"/>
+              <a:off x="3772926" y="3598782"/>
               <a:ext cx="66150" cy="66150"/>
             </a:xfrm>
             <a:prstGeom prst="ellipse">
@@ -6313,7 +6313,7 @@
           </p:nvSpPr>
           <p:spPr>
             <a:xfrm>
-              <a:off x="3357151" y="3598764"/>
+              <a:off x="3357127" y="3598782"/>
               <a:ext cx="66150" cy="66150"/>
             </a:xfrm>
             <a:prstGeom prst="ellipse">
@@ -6348,7 +6348,7 @@
           </p:nvSpPr>
           <p:spPr>
             <a:xfrm>
-              <a:off x="2941354" y="2971915"/>
+              <a:off x="2941329" y="2971927"/>
               <a:ext cx="66150" cy="66150"/>
             </a:xfrm>
             <a:prstGeom prst="ellipse">
@@ -6383,7 +6383,7 @@
           </p:nvSpPr>
           <p:spPr>
             <a:xfrm>
-              <a:off x="3208652" y="3310214"/>
+              <a:off x="3208628" y="3310230"/>
               <a:ext cx="66150" cy="66150"/>
             </a:xfrm>
             <a:prstGeom prst="ellipse">
@@ -6418,7 +6418,7 @@
           </p:nvSpPr>
           <p:spPr>
             <a:xfrm>
-              <a:off x="2584957" y="3260464"/>
+              <a:off x="2584930" y="3260479"/>
               <a:ext cx="66150" cy="66150"/>
             </a:xfrm>
             <a:prstGeom prst="ellipse">
@@ -6453,7 +6453,7 @@
           </p:nvSpPr>
           <p:spPr>
             <a:xfrm>
-              <a:off x="1159367" y="1797815"/>
+              <a:off x="1159334" y="1797818"/>
               <a:ext cx="66150" cy="66150"/>
             </a:xfrm>
             <a:prstGeom prst="ellipse">
@@ -6488,7 +6488,7 @@
           </p:nvSpPr>
           <p:spPr>
             <a:xfrm>
-              <a:off x="1159367" y="1624686"/>
+              <a:off x="1159334" y="1624687"/>
               <a:ext cx="66150" cy="66150"/>
             </a:xfrm>
             <a:prstGeom prst="ellipse">
@@ -6523,7 +6523,7 @@
           </p:nvSpPr>
           <p:spPr>
             <a:xfrm>
-              <a:off x="2436458" y="1703291"/>
+              <a:off x="2436430" y="1703293"/>
               <a:ext cx="66150" cy="66150"/>
             </a:xfrm>
             <a:prstGeom prst="ellipse">
@@ -6558,7 +6558,7 @@
           </p:nvSpPr>
           <p:spPr>
             <a:xfrm>
-              <a:off x="7693318" y="4832563"/>
+              <a:off x="7693314" y="4832591"/>
               <a:ext cx="66150" cy="66150"/>
             </a:xfrm>
             <a:prstGeom prst="ellipse">
@@ -6593,7 +6593,7 @@
           </p:nvSpPr>
           <p:spPr>
             <a:xfrm>
-              <a:off x="7099322" y="5414638"/>
+              <a:off x="7099316" y="5414670"/>
               <a:ext cx="66150" cy="66150"/>
             </a:xfrm>
             <a:prstGeom prst="ellipse">
@@ -6628,7 +6628,7 @@
           </p:nvSpPr>
           <p:spPr>
             <a:xfrm>
-              <a:off x="8138814" y="5195738"/>
+              <a:off x="8138813" y="5195769"/>
               <a:ext cx="66150" cy="66150"/>
             </a:xfrm>
             <a:prstGeom prst="ellipse">
@@ -6663,7 +6663,7 @@
           </p:nvSpPr>
           <p:spPr>
             <a:xfrm>
-              <a:off x="4456042" y="4568888"/>
+              <a:off x="4456024" y="4568914"/>
               <a:ext cx="66150" cy="66150"/>
             </a:xfrm>
             <a:prstGeom prst="ellipse">
@@ -6698,7 +6698,7 @@
           </p:nvSpPr>
           <p:spPr>
             <a:xfrm>
-              <a:off x="2674056" y="3519164"/>
+              <a:off x="2674029" y="3519181"/>
               <a:ext cx="66150" cy="66150"/>
             </a:xfrm>
             <a:prstGeom prst="ellipse">
@@ -6733,7 +6733,7 @@
           </p:nvSpPr>
           <p:spPr>
             <a:xfrm>
-              <a:off x="2584957" y="3603739"/>
+              <a:off x="2584930" y="3603757"/>
               <a:ext cx="66150" cy="66150"/>
             </a:xfrm>
             <a:prstGeom prst="ellipse">
@@ -6768,7 +6768,7 @@
           </p:nvSpPr>
           <p:spPr>
             <a:xfrm>
-              <a:off x="2020661" y="3200764"/>
+              <a:off x="2020631" y="3200779"/>
               <a:ext cx="66150" cy="66150"/>
             </a:xfrm>
             <a:prstGeom prst="ellipse">
@@ -6803,7 +6803,7 @@
           </p:nvSpPr>
           <p:spPr>
             <a:xfrm>
-              <a:off x="3772947" y="3195789"/>
+              <a:off x="3772926" y="3195804"/>
               <a:ext cx="66150" cy="66150"/>
             </a:xfrm>
             <a:prstGeom prst="ellipse">
@@ -6838,7 +6838,7 @@
           </p:nvSpPr>
           <p:spPr>
             <a:xfrm>
-              <a:off x="6178629" y="5096238"/>
+              <a:off x="6178619" y="5096268"/>
               <a:ext cx="66150" cy="66150"/>
             </a:xfrm>
             <a:prstGeom prst="ellipse">
@@ -6873,7 +6873,7 @@
           </p:nvSpPr>
           <p:spPr>
             <a:xfrm>
-              <a:off x="5792532" y="4892263"/>
+              <a:off x="5792520" y="4892291"/>
               <a:ext cx="66150" cy="66150"/>
             </a:xfrm>
             <a:prstGeom prst="ellipse">
@@ -6908,7 +6908,7 @@
           </p:nvSpPr>
           <p:spPr>
             <a:xfrm>
-              <a:off x="7099322" y="5516128"/>
+              <a:off x="7099316" y="5516161"/>
               <a:ext cx="66150" cy="66150"/>
             </a:xfrm>
             <a:prstGeom prst="ellipse">
@@ -6943,7 +6943,7 @@
           </p:nvSpPr>
           <p:spPr>
             <a:xfrm>
-              <a:off x="2763155" y="3867414"/>
+              <a:off x="2763129" y="3867434"/>
               <a:ext cx="66150" cy="66150"/>
             </a:xfrm>
             <a:prstGeom prst="ellipse">
@@ -6978,7 +6978,7 @@
           </p:nvSpPr>
           <p:spPr>
             <a:xfrm>
-              <a:off x="3921446" y="4265414"/>
+              <a:off x="3921426" y="4265437"/>
               <a:ext cx="66150" cy="66150"/>
             </a:xfrm>
             <a:prstGeom prst="ellipse">
@@ -7013,7 +7013,7 @@
           </p:nvSpPr>
           <p:spPr>
             <a:xfrm>
-              <a:off x="2525557" y="3469414"/>
+              <a:off x="2525530" y="3469431"/>
               <a:ext cx="66150" cy="66150"/>
             </a:xfrm>
             <a:prstGeom prst="ellipse">
@@ -7048,7 +7048,7 @@
           </p:nvSpPr>
           <p:spPr>
             <a:xfrm>
-              <a:off x="4426342" y="4255464"/>
+              <a:off x="4426324" y="4255487"/>
               <a:ext cx="66150" cy="66150"/>
             </a:xfrm>
             <a:prstGeom prst="ellipse">
@@ -7083,8 +7083,8 @@
           </p:nvSpPr>
           <p:spPr>
             <a:xfrm>
-              <a:off x="640418" y="4986224"/>
-              <a:ext cx="127136" cy="160399"/>
+              <a:off x="640418" y="4982691"/>
+              <a:ext cx="127101" cy="163951"/>
             </a:xfrm>
             <a:prstGeom prst="rect">
               <a:avLst/>
@@ -7129,8 +7129,8 @@
           </p:nvSpPr>
           <p:spPr>
             <a:xfrm>
-              <a:off x="640418" y="3987207"/>
-              <a:ext cx="127136" cy="164417"/>
+              <a:off x="640418" y="3987684"/>
+              <a:ext cx="127101" cy="163951"/>
             </a:xfrm>
             <a:prstGeom prst="rect">
               <a:avLst/>
@@ -7175,8 +7175,8 @@
           </p:nvSpPr>
           <p:spPr>
             <a:xfrm>
-              <a:off x="640418" y="2996337"/>
-              <a:ext cx="127136" cy="160287"/>
+              <a:off x="640418" y="2992677"/>
+              <a:ext cx="127101" cy="163951"/>
             </a:xfrm>
             <a:prstGeom prst="rect">
               <a:avLst/>
@@ -7221,8 +7221,8 @@
           </p:nvSpPr>
           <p:spPr>
             <a:xfrm>
-              <a:off x="640418" y="2000445"/>
-              <a:ext cx="127136" cy="161180"/>
+              <a:off x="640418" y="1997669"/>
+              <a:ext cx="127101" cy="163951"/>
             </a:xfrm>
             <a:prstGeom prst="rect">
               <a:avLst/>
@@ -7267,18 +7267,18 @@
           </p:nvSpPr>
           <p:spPr>
             <a:xfrm>
-              <a:off x="843470" y="5743775"/>
-              <a:ext cx="7677391" cy="0"/>
+              <a:off x="843435" y="5743810"/>
+              <a:ext cx="7677426" cy="0"/>
             </a:xfrm>
             <a:custGeom>
               <a:avLst/>
               <a:pathLst>
-                <a:path w="7677391" h="0">
+                <a:path w="7677426" h="0">
                   <a:moveTo>
                     <a:pt x="0" y="0"/>
                   </a:moveTo>
                   <a:lnTo>
-                    <a:pt x="7677391" y="0"/>
+                    <a:pt x="7677426" y="0"/>
                   </a:lnTo>
                 </a:path>
               </a:pathLst>
@@ -7307,7 +7307,7 @@
           </p:nvSpPr>
           <p:spPr>
             <a:xfrm>
-              <a:off x="1073643" y="5743775"/>
+              <a:off x="1073610" y="5743810"/>
               <a:ext cx="0" cy="56936"/>
             </a:xfrm>
             <a:custGeom>
@@ -7347,7 +7347,7 @@
           </p:nvSpPr>
           <p:spPr>
             <a:xfrm>
-              <a:off x="2558632" y="5743775"/>
+              <a:off x="2558605" y="5743810"/>
               <a:ext cx="0" cy="56936"/>
             </a:xfrm>
             <a:custGeom>
@@ -7387,7 +7387,7 @@
           </p:nvSpPr>
           <p:spPr>
             <a:xfrm>
-              <a:off x="4043621" y="5743775"/>
+              <a:off x="4043600" y="5743810"/>
               <a:ext cx="0" cy="56936"/>
             </a:xfrm>
             <a:custGeom>
@@ -7427,7 +7427,7 @@
           </p:nvSpPr>
           <p:spPr>
             <a:xfrm>
-              <a:off x="5528609" y="5743775"/>
+              <a:off x="5528596" y="5743810"/>
               <a:ext cx="0" cy="56936"/>
             </a:xfrm>
             <a:custGeom>
@@ -7467,7 +7467,7 @@
           </p:nvSpPr>
           <p:spPr>
             <a:xfrm>
-              <a:off x="7013598" y="5743775"/>
+              <a:off x="7013591" y="5743810"/>
               <a:ext cx="0" cy="56936"/>
             </a:xfrm>
             <a:custGeom>
@@ -7507,7 +7507,7 @@
           </p:nvSpPr>
           <p:spPr>
             <a:xfrm>
-              <a:off x="8498587" y="5743775"/>
+              <a:off x="8498587" y="5743810"/>
               <a:ext cx="0" cy="56936"/>
             </a:xfrm>
             <a:custGeom>
@@ -7547,8 +7547,8 @@
           </p:nvSpPr>
           <p:spPr>
             <a:xfrm>
-              <a:off x="946507" y="5876403"/>
-              <a:ext cx="254272" cy="164194"/>
+              <a:off x="946508" y="5876662"/>
+              <a:ext cx="254203" cy="163951"/>
             </a:xfrm>
             <a:prstGeom prst="rect">
               <a:avLst/>
@@ -7593,8 +7593,8 @@
           </p:nvSpPr>
           <p:spPr>
             <a:xfrm>
-              <a:off x="2431496" y="5877408"/>
-              <a:ext cx="254272" cy="163190"/>
+              <a:off x="2431503" y="5876662"/>
+              <a:ext cx="254203" cy="163951"/>
             </a:xfrm>
             <a:prstGeom prst="rect">
               <a:avLst/>
@@ -7639,8 +7639,8 @@
           </p:nvSpPr>
           <p:spPr>
             <a:xfrm>
-              <a:off x="3916484" y="5875845"/>
-              <a:ext cx="254272" cy="164752"/>
+              <a:off x="3916499" y="5876662"/>
+              <a:ext cx="254203" cy="163951"/>
             </a:xfrm>
             <a:prstGeom prst="rect">
               <a:avLst/>
@@ -7685,8 +7685,8 @@
           </p:nvSpPr>
           <p:spPr>
             <a:xfrm>
-              <a:off x="5401473" y="5876180"/>
-              <a:ext cx="254272" cy="164417"/>
+              <a:off x="5401494" y="5876662"/>
+              <a:ext cx="254203" cy="163951"/>
             </a:xfrm>
             <a:prstGeom prst="rect">
               <a:avLst/>
@@ -7731,8 +7731,8 @@
           </p:nvSpPr>
           <p:spPr>
             <a:xfrm>
-              <a:off x="6886462" y="5876180"/>
-              <a:ext cx="254272" cy="164417"/>
+              <a:off x="6886490" y="5876662"/>
+              <a:ext cx="254203" cy="163951"/>
             </a:xfrm>
             <a:prstGeom prst="rect">
               <a:avLst/>
@@ -7777,8 +7777,8 @@
           </p:nvSpPr>
           <p:spPr>
             <a:xfrm>
-              <a:off x="8371450" y="5876180"/>
-              <a:ext cx="254272" cy="164417"/>
+              <a:off x="8371485" y="5876662"/>
+              <a:ext cx="254203" cy="163951"/>
             </a:xfrm>
             <a:prstGeom prst="rect">
               <a:avLst/>
@@ -7823,8 +7823,8 @@
           </p:nvSpPr>
           <p:spPr>
             <a:xfrm>
-              <a:off x="4459817" y="6139057"/>
-              <a:ext cx="444698" cy="173012"/>
+              <a:off x="4459812" y="6148116"/>
+              <a:ext cx="444672" cy="163951"/>
             </a:xfrm>
             <a:prstGeom prst="rect">
               <a:avLst/>
